--- a/Season1.step_into_chatgpt/3.GPT/GPT_slides2024.pptx
+++ b/Season1.step_into_chatgpt/3.GPT/GPT_slides2024.pptx
@@ -17,25 +17,25 @@
     <p:sldId id="280" r:id="rId5"/>
     <p:sldId id="306" r:id="rId6"/>
     <p:sldId id="307" r:id="rId7"/>
-    <p:sldId id="309" r:id="rId8"/>
-    <p:sldId id="310" r:id="rId9"/>
-    <p:sldId id="311" r:id="rId10"/>
-    <p:sldId id="312" r:id="rId11"/>
-    <p:sldId id="313" r:id="rId12"/>
-    <p:sldId id="314" r:id="rId13"/>
-    <p:sldId id="315" r:id="rId14"/>
-    <p:sldId id="316" r:id="rId15"/>
-    <p:sldId id="317" r:id="rId16"/>
-    <p:sldId id="318" r:id="rId17"/>
-    <p:sldId id="319" r:id="rId18"/>
-    <p:sldId id="327" r:id="rId19"/>
+    <p:sldId id="308" r:id="rId8"/>
+    <p:sldId id="309" r:id="rId9"/>
+    <p:sldId id="310" r:id="rId10"/>
+    <p:sldId id="311" r:id="rId11"/>
+    <p:sldId id="312" r:id="rId12"/>
+    <p:sldId id="313" r:id="rId13"/>
+    <p:sldId id="314" r:id="rId14"/>
+    <p:sldId id="315" r:id="rId15"/>
+    <p:sldId id="316" r:id="rId16"/>
+    <p:sldId id="317" r:id="rId17"/>
+    <p:sldId id="318" r:id="rId18"/>
+    <p:sldId id="319" r:id="rId19"/>
     <p:sldId id="320" r:id="rId20"/>
     <p:sldId id="321" r:id="rId21"/>
     <p:sldId id="322" r:id="rId22"/>
-    <p:sldId id="328" r:id="rId23"/>
-    <p:sldId id="323" r:id="rId24"/>
-    <p:sldId id="324" r:id="rId25"/>
-    <p:sldId id="329" r:id="rId26"/>
+    <p:sldId id="323" r:id="rId23"/>
+    <p:sldId id="324" r:id="rId24"/>
+    <p:sldId id="326" r:id="rId25"/>
+    <p:sldId id="325" r:id="rId26"/>
   </p:sldIdLst>
   <p:sldSz cx="12196763" cy="6858000"/>
   <p:notesSz cx="6858000" cy="9144000"/>
@@ -283,7 +283,7 @@
           <a:p>
             <a:fld id="{E8CF71B8-DF2A-2E41-BE66-2E18A767DA8A}" type="datetimeFigureOut">
               <a:rPr lang="en-US" smtClean="0"/>
-              <a:t>8/16/2024</a:t>
+              <a:t>8/19/2024</a:t>
             </a:fld>
             <a:endParaRPr lang="en-US"/>
           </a:p>
@@ -460,7 +460,7 @@
           <a:p>
             <a:fld id="{0DD60A27-BF12-6744-9E93-932A0E34D8BB}" type="datetimeFigureOut">
               <a:rPr lang="en-US" smtClean="0"/>
-              <a:t>8/16/2024</a:t>
+              <a:t>8/19/2024</a:t>
             </a:fld>
             <a:endParaRPr lang="en-US"/>
           </a:p>
@@ -2078,56 +2078,6 @@
           <a:chExt cx="0" cy="0"/>
         </a:xfrm>
       </p:grpSpPr>
-      <p:sp>
-        <p:nvSpPr>
-          <p:cNvPr id="3" name="TextBox 2">
-            <a:extLst>
-              <a:ext uri="{FF2B5EF4-FFF2-40B4-BE49-F238E27FC236}">
-                <a16:creationId xmlns:a16="http://schemas.microsoft.com/office/drawing/2014/main" id="{6785A3D6-1271-D247-9E96-1B376F4BE7BE}"/>
-              </a:ext>
-            </a:extLst>
-          </p:cNvPr>
-          <p:cNvSpPr txBox="1"/>
-          <p:nvPr userDrawn="1"/>
-        </p:nvSpPr>
-        <p:spPr>
-          <a:xfrm>
-            <a:off x="1095467" y="6356939"/>
-            <a:ext cx="3503965" cy="230832"/>
-          </a:xfrm>
-          <a:prstGeom prst="rect">
-            <a:avLst/>
-          </a:prstGeom>
-          <a:noFill/>
-        </p:spPr>
-        <p:txBody>
-          <a:bodyPr wrap="square" rtlCol="0">
-            <a:spAutoFit/>
-          </a:bodyPr>
-          <a:lstStyle/>
-          <a:p>
-            <a:r>
-              <a:rPr lang="en-US" altLang="zh-CN" sz="900" b="0" kern="1200" baseline="0" dirty="0">
-                <a:solidFill>
-                  <a:srgbClr val="1D1D1B"/>
-                </a:solidFill>
-                <a:latin typeface="Arial" panose="020B0604020202020204" pitchFamily="34" charset="0"/>
-                <a:ea typeface="+mn-ea"/>
-                <a:cs typeface="Arial" panose="020B0604020202020204" pitchFamily="34" charset="0"/>
-              </a:rPr>
-              <a:t>Huawei Proprietary - Restricted Distribution</a:t>
-            </a:r>
-            <a:endParaRPr lang="en-US" sz="900" b="0" kern="1200" baseline="0" dirty="0">
-              <a:solidFill>
-                <a:srgbClr val="1D1D1B"/>
-              </a:solidFill>
-              <a:latin typeface="Arial" panose="020B0604020202020204" pitchFamily="34" charset="0"/>
-              <a:ea typeface="+mn-ea"/>
-              <a:cs typeface="Arial" panose="020B0604020202020204" pitchFamily="34" charset="0"/>
-            </a:endParaRPr>
-          </a:p>
-        </p:txBody>
-      </p:sp>
       <p:sp>
         <p:nvSpPr>
           <p:cNvPr id="4" name="TextBox 3">
@@ -6299,10 +6249,10 @@
       </p:grpSpPr>
       <p:sp>
         <p:nvSpPr>
-          <p:cNvPr id="9" name="object 9">
+          <p:cNvPr id="2" name="object 9">
             <a:extLst>
               <a:ext uri="{FF2B5EF4-FFF2-40B4-BE49-F238E27FC236}">
-                <a16:creationId xmlns:a16="http://schemas.microsoft.com/office/drawing/2014/main" id="{7BAD9554-9883-757D-3C4F-008B6636EA15}"/>
+                <a16:creationId xmlns:a16="http://schemas.microsoft.com/office/drawing/2014/main" id="{5EB3B966-644A-51C4-35A3-B612955B4D05}"/>
               </a:ext>
             </a:extLst>
           </p:cNvPr>
@@ -6401,10 +6351,10 @@
       </p:sp>
       <p:sp>
         <p:nvSpPr>
-          <p:cNvPr id="10" name="object 10">
+          <p:cNvPr id="3" name="object 10">
             <a:extLst>
               <a:ext uri="{FF2B5EF4-FFF2-40B4-BE49-F238E27FC236}">
-                <a16:creationId xmlns:a16="http://schemas.microsoft.com/office/drawing/2014/main" id="{D620E8E7-5F20-D244-6E1C-B91F37598DCF}"/>
+                <a16:creationId xmlns:a16="http://schemas.microsoft.com/office/drawing/2014/main" id="{7A045D69-7E6E-FD75-AA57-C300036415ED}"/>
               </a:ext>
             </a:extLst>
           </p:cNvPr>
@@ -6449,10 +6399,10 @@
       </p:sp>
       <p:sp>
         <p:nvSpPr>
-          <p:cNvPr id="11" name="object 11">
+          <p:cNvPr id="4" name="object 11">
             <a:extLst>
               <a:ext uri="{FF2B5EF4-FFF2-40B4-BE49-F238E27FC236}">
-                <a16:creationId xmlns:a16="http://schemas.microsoft.com/office/drawing/2014/main" id="{F64CD4A9-78EE-37EC-4EF4-D79B9E7CDB43}"/>
+                <a16:creationId xmlns:a16="http://schemas.microsoft.com/office/drawing/2014/main" id="{3A8364D8-9832-2767-958F-F176E80D6EA0}"/>
               </a:ext>
             </a:extLst>
           </p:cNvPr>
@@ -6543,10 +6493,10 @@
       </p:grpSpPr>
       <p:sp>
         <p:nvSpPr>
-          <p:cNvPr id="5" name="object 4">
+          <p:cNvPr id="2" name="object 4">
             <a:extLst>
               <a:ext uri="{FF2B5EF4-FFF2-40B4-BE49-F238E27FC236}">
-                <a16:creationId xmlns:a16="http://schemas.microsoft.com/office/drawing/2014/main" id="{719BE484-35A1-5B81-B9DA-76F45EEAFFE3}"/>
+                <a16:creationId xmlns:a16="http://schemas.microsoft.com/office/drawing/2014/main" id="{76E5A439-563A-0634-2069-60B4F5D2758E}"/>
               </a:ext>
             </a:extLst>
           </p:cNvPr>
@@ -6865,10 +6815,10 @@
       </p:sp>
       <p:sp>
         <p:nvSpPr>
-          <p:cNvPr id="6" name="object 5">
+          <p:cNvPr id="3" name="object 5">
             <a:extLst>
               <a:ext uri="{FF2B5EF4-FFF2-40B4-BE49-F238E27FC236}">
-                <a16:creationId xmlns:a16="http://schemas.microsoft.com/office/drawing/2014/main" id="{24658E4C-9C94-7B5A-A906-3BAABEAB29EB}"/>
+                <a16:creationId xmlns:a16="http://schemas.microsoft.com/office/drawing/2014/main" id="{4C46828B-D94C-9C7A-DA78-355DB1131023}"/>
               </a:ext>
             </a:extLst>
           </p:cNvPr>
@@ -7117,10 +7067,10 @@
       </p:sp>
       <p:sp>
         <p:nvSpPr>
-          <p:cNvPr id="7" name="object 6">
+          <p:cNvPr id="4" name="object 6">
             <a:extLst>
               <a:ext uri="{FF2B5EF4-FFF2-40B4-BE49-F238E27FC236}">
-                <a16:creationId xmlns:a16="http://schemas.microsoft.com/office/drawing/2014/main" id="{0DD60A95-4F97-59DB-7B36-EA3B574E33AB}"/>
+                <a16:creationId xmlns:a16="http://schemas.microsoft.com/office/drawing/2014/main" id="{AADD8857-98DC-187A-7FFF-C09FD83E88AE}"/>
               </a:ext>
             </a:extLst>
           </p:cNvPr>
@@ -7170,7 +7120,7 @@
     </p:spTree>
     <p:extLst>
       <p:ext uri="{BB962C8B-B14F-4D97-AF65-F5344CB8AC3E}">
-        <p14:creationId xmlns:p14="http://schemas.microsoft.com/office/powerpoint/2010/main" val="1714437964"/>
+        <p14:creationId xmlns:p14="http://schemas.microsoft.com/office/powerpoint/2010/main" val="1662233945"/>
       </p:ext>
     </p:extLst>
   </p:cSld>
@@ -7199,10 +7149,10 @@
       </p:grpSpPr>
       <p:pic>
         <p:nvPicPr>
-          <p:cNvPr id="12" name="object 5">
+          <p:cNvPr id="2" name="object 5">
             <a:extLst>
               <a:ext uri="{FF2B5EF4-FFF2-40B4-BE49-F238E27FC236}">
-                <a16:creationId xmlns:a16="http://schemas.microsoft.com/office/drawing/2014/main" id="{429D4CE6-C77E-AA74-30FD-F67A0C27DCE0}"/>
+                <a16:creationId xmlns:a16="http://schemas.microsoft.com/office/drawing/2014/main" id="{2811F501-D414-2AA6-D6C7-6F6DEB2EDBC4}"/>
               </a:ext>
             </a:extLst>
           </p:cNvPr>
@@ -7226,10 +7176,10 @@
       </p:pic>
       <p:sp>
         <p:nvSpPr>
-          <p:cNvPr id="13" name="object 6">
+          <p:cNvPr id="3" name="object 6">
             <a:extLst>
               <a:ext uri="{FF2B5EF4-FFF2-40B4-BE49-F238E27FC236}">
-                <a16:creationId xmlns:a16="http://schemas.microsoft.com/office/drawing/2014/main" id="{D2B7F7E7-43A5-6EB4-71A4-A3B46FB6CFB3}"/>
+                <a16:creationId xmlns:a16="http://schemas.microsoft.com/office/drawing/2014/main" id="{5885B390-9518-B4A0-53BE-7A60378B6343}"/>
               </a:ext>
             </a:extLst>
           </p:cNvPr>
@@ -7548,10 +7498,10 @@
       </p:sp>
       <p:sp>
         <p:nvSpPr>
-          <p:cNvPr id="14" name="object 7">
+          <p:cNvPr id="4" name="object 7">
             <a:extLst>
               <a:ext uri="{FF2B5EF4-FFF2-40B4-BE49-F238E27FC236}">
-                <a16:creationId xmlns:a16="http://schemas.microsoft.com/office/drawing/2014/main" id="{058C3C52-F013-02CA-F342-7DE2A21BF277}"/>
+                <a16:creationId xmlns:a16="http://schemas.microsoft.com/office/drawing/2014/main" id="{567FB870-815B-8D9B-136D-13564316E1FA}"/>
               </a:ext>
             </a:extLst>
           </p:cNvPr>
@@ -7702,10 +7652,10 @@
       </p:sp>
       <p:sp>
         <p:nvSpPr>
-          <p:cNvPr id="15" name="object 8">
+          <p:cNvPr id="5" name="object 8">
             <a:extLst>
               <a:ext uri="{FF2B5EF4-FFF2-40B4-BE49-F238E27FC236}">
-                <a16:creationId xmlns:a16="http://schemas.microsoft.com/office/drawing/2014/main" id="{1E61EE1D-1A13-BE6A-826F-8A3C4FE1A01C}"/>
+                <a16:creationId xmlns:a16="http://schemas.microsoft.com/office/drawing/2014/main" id="{9DF04F24-7005-3AD7-11AE-1403DC0C7720}"/>
               </a:ext>
             </a:extLst>
           </p:cNvPr>
@@ -7885,7 +7835,7 @@
     </p:spTree>
     <p:extLst>
       <p:ext uri="{BB962C8B-B14F-4D97-AF65-F5344CB8AC3E}">
-        <p14:creationId xmlns:p14="http://schemas.microsoft.com/office/powerpoint/2010/main" val="1332332467"/>
+        <p14:creationId xmlns:p14="http://schemas.microsoft.com/office/powerpoint/2010/main" val="807452961"/>
       </p:ext>
     </p:extLst>
   </p:cSld>
@@ -7914,10 +7864,10 @@
       </p:grpSpPr>
       <p:sp>
         <p:nvSpPr>
-          <p:cNvPr id="6" name="object 2">
+          <p:cNvPr id="2" name="object 2">
             <a:extLst>
               <a:ext uri="{FF2B5EF4-FFF2-40B4-BE49-F238E27FC236}">
-                <a16:creationId xmlns:a16="http://schemas.microsoft.com/office/drawing/2014/main" id="{5A3ABB06-D5DD-1220-8B3C-0B5CCD14F02E}"/>
+                <a16:creationId xmlns:a16="http://schemas.microsoft.com/office/drawing/2014/main" id="{F4CC954E-1C26-713A-DE66-48250235D80A}"/>
               </a:ext>
             </a:extLst>
           </p:cNvPr>
@@ -8073,10 +8023,10 @@
       </p:sp>
       <p:pic>
         <p:nvPicPr>
-          <p:cNvPr id="7" name="object 4">
+          <p:cNvPr id="3" name="object 4">
             <a:extLst>
               <a:ext uri="{FF2B5EF4-FFF2-40B4-BE49-F238E27FC236}">
-                <a16:creationId xmlns:a16="http://schemas.microsoft.com/office/drawing/2014/main" id="{A165E64F-426A-3D66-FDE5-16C3BC031246}"/>
+                <a16:creationId xmlns:a16="http://schemas.microsoft.com/office/drawing/2014/main" id="{67CAC1FA-664F-82CE-9142-E6FDAF88D251}"/>
               </a:ext>
             </a:extLst>
           </p:cNvPr>
@@ -8101,10 +8051,10 @@
       </p:pic>
       <p:sp>
         <p:nvSpPr>
-          <p:cNvPr id="8" name="object 5">
+          <p:cNvPr id="4" name="object 5">
             <a:extLst>
               <a:ext uri="{FF2B5EF4-FFF2-40B4-BE49-F238E27FC236}">
-                <a16:creationId xmlns:a16="http://schemas.microsoft.com/office/drawing/2014/main" id="{D6C6D1BA-F43C-D515-82DD-2519E53EF6A8}"/>
+                <a16:creationId xmlns:a16="http://schemas.microsoft.com/office/drawing/2014/main" id="{16A6F9C3-4DC0-DE54-CE84-4A790D35FC5A}"/>
               </a:ext>
             </a:extLst>
           </p:cNvPr>
@@ -8156,10 +8106,10 @@
       </p:sp>
       <p:sp>
         <p:nvSpPr>
-          <p:cNvPr id="9" name="object 6">
+          <p:cNvPr id="5" name="object 6">
             <a:extLst>
               <a:ext uri="{FF2B5EF4-FFF2-40B4-BE49-F238E27FC236}">
-                <a16:creationId xmlns:a16="http://schemas.microsoft.com/office/drawing/2014/main" id="{9B28C8B7-7298-1C9D-0B46-DFC46377D869}"/>
+                <a16:creationId xmlns:a16="http://schemas.microsoft.com/office/drawing/2014/main" id="{5F190636-FB27-3B70-1DBF-209473581A58}"/>
               </a:ext>
             </a:extLst>
           </p:cNvPr>
@@ -8209,7 +8159,7 @@
     </p:spTree>
     <p:extLst>
       <p:ext uri="{BB962C8B-B14F-4D97-AF65-F5344CB8AC3E}">
-        <p14:creationId xmlns:p14="http://schemas.microsoft.com/office/powerpoint/2010/main" val="335227743"/>
+        <p14:creationId xmlns:p14="http://schemas.microsoft.com/office/powerpoint/2010/main" val="1941036935"/>
       </p:ext>
     </p:extLst>
   </p:cSld>
@@ -8238,10 +8188,10 @@
       </p:grpSpPr>
       <p:pic>
         <p:nvPicPr>
-          <p:cNvPr id="9" name="object 4">
+          <p:cNvPr id="2" name="object 4">
             <a:extLst>
               <a:ext uri="{FF2B5EF4-FFF2-40B4-BE49-F238E27FC236}">
-                <a16:creationId xmlns:a16="http://schemas.microsoft.com/office/drawing/2014/main" id="{524A0A4D-98F5-3F84-D422-C72E9243CDBF}"/>
+                <a16:creationId xmlns:a16="http://schemas.microsoft.com/office/drawing/2014/main" id="{5DD19BBA-0C2E-F8FA-B773-339EEDE527E2}"/>
               </a:ext>
             </a:extLst>
           </p:cNvPr>
@@ -8266,10 +8216,10 @@
       </p:pic>
       <p:sp>
         <p:nvSpPr>
-          <p:cNvPr id="10" name="object 5">
+          <p:cNvPr id="3" name="object 5">
             <a:extLst>
               <a:ext uri="{FF2B5EF4-FFF2-40B4-BE49-F238E27FC236}">
-                <a16:creationId xmlns:a16="http://schemas.microsoft.com/office/drawing/2014/main" id="{444D824C-4081-FA98-CE50-A187BF5433AD}"/>
+                <a16:creationId xmlns:a16="http://schemas.microsoft.com/office/drawing/2014/main" id="{6E798417-97DF-76AE-1145-3383B3447EF1}"/>
               </a:ext>
             </a:extLst>
           </p:cNvPr>
@@ -8425,10 +8375,10 @@
       </p:sp>
       <p:sp>
         <p:nvSpPr>
-          <p:cNvPr id="11" name="object 6">
+          <p:cNvPr id="4" name="object 6">
             <a:extLst>
               <a:ext uri="{FF2B5EF4-FFF2-40B4-BE49-F238E27FC236}">
-                <a16:creationId xmlns:a16="http://schemas.microsoft.com/office/drawing/2014/main" id="{89C13AF0-312E-EDA6-1AFB-2FBF021A0CE7}"/>
+                <a16:creationId xmlns:a16="http://schemas.microsoft.com/office/drawing/2014/main" id="{556F709F-8853-D384-882B-427B612083A3}"/>
               </a:ext>
             </a:extLst>
           </p:cNvPr>
@@ -8487,7 +8437,7 @@
     </p:spTree>
     <p:extLst>
       <p:ext uri="{BB962C8B-B14F-4D97-AF65-F5344CB8AC3E}">
-        <p14:creationId xmlns:p14="http://schemas.microsoft.com/office/powerpoint/2010/main" val="861551349"/>
+        <p14:creationId xmlns:p14="http://schemas.microsoft.com/office/powerpoint/2010/main" val="2897358135"/>
       </p:ext>
     </p:extLst>
   </p:cSld>
@@ -8516,10 +8466,10 @@
       </p:grpSpPr>
       <p:sp>
         <p:nvSpPr>
-          <p:cNvPr id="5" name="object 2">
+          <p:cNvPr id="2" name="object 2">
             <a:extLst>
               <a:ext uri="{FF2B5EF4-FFF2-40B4-BE49-F238E27FC236}">
-                <a16:creationId xmlns:a16="http://schemas.microsoft.com/office/drawing/2014/main" id="{C700383D-1012-13C2-BE79-2D4C9C48C267}"/>
+                <a16:creationId xmlns:a16="http://schemas.microsoft.com/office/drawing/2014/main" id="{4924A7CC-67DE-AC9C-0197-C4D1DC23ADA8}"/>
               </a:ext>
             </a:extLst>
           </p:cNvPr>
@@ -8675,10 +8625,10 @@
       </p:sp>
       <p:pic>
         <p:nvPicPr>
-          <p:cNvPr id="6" name="object 4">
+          <p:cNvPr id="3" name="object 4">
             <a:extLst>
               <a:ext uri="{FF2B5EF4-FFF2-40B4-BE49-F238E27FC236}">
-                <a16:creationId xmlns:a16="http://schemas.microsoft.com/office/drawing/2014/main" id="{5C6EE08E-D336-3F39-4245-09932EE1CD76}"/>
+                <a16:creationId xmlns:a16="http://schemas.microsoft.com/office/drawing/2014/main" id="{4C7C6C5B-5877-27D4-5288-74EC88059E33}"/>
               </a:ext>
             </a:extLst>
           </p:cNvPr>
@@ -8703,10 +8653,10 @@
       </p:pic>
       <p:sp>
         <p:nvSpPr>
-          <p:cNvPr id="7" name="object 5">
+          <p:cNvPr id="4" name="object 5">
             <a:extLst>
               <a:ext uri="{FF2B5EF4-FFF2-40B4-BE49-F238E27FC236}">
-                <a16:creationId xmlns:a16="http://schemas.microsoft.com/office/drawing/2014/main" id="{A11BFED3-44A9-46F1-086F-2DFA156196AD}"/>
+                <a16:creationId xmlns:a16="http://schemas.microsoft.com/office/drawing/2014/main" id="{3AED615C-496A-3269-B529-B766A09D43F5}"/>
               </a:ext>
             </a:extLst>
           </p:cNvPr>
@@ -8777,7 +8727,7 @@
     </p:spTree>
     <p:extLst>
       <p:ext uri="{BB962C8B-B14F-4D97-AF65-F5344CB8AC3E}">
-        <p14:creationId xmlns:p14="http://schemas.microsoft.com/office/powerpoint/2010/main" val="2931880566"/>
+        <p14:creationId xmlns:p14="http://schemas.microsoft.com/office/powerpoint/2010/main" val="634451138"/>
       </p:ext>
     </p:extLst>
   </p:cSld>
@@ -8806,10 +8756,10 @@
       </p:grpSpPr>
       <p:sp>
         <p:nvSpPr>
-          <p:cNvPr id="8" name="Content Placeholder 2">
+          <p:cNvPr id="2" name="Content Placeholder 2">
             <a:extLst>
               <a:ext uri="{FF2B5EF4-FFF2-40B4-BE49-F238E27FC236}">
-                <a16:creationId xmlns:a16="http://schemas.microsoft.com/office/drawing/2014/main" id="{55F986D5-D7D9-6446-9526-9389CD9831D8}"/>
+                <a16:creationId xmlns:a16="http://schemas.microsoft.com/office/drawing/2014/main" id="{9BA7A668-1B2F-A1FF-93A6-D10AFD46AA79}"/>
               </a:ext>
             </a:extLst>
           </p:cNvPr>
@@ -9036,10 +8986,10 @@
       </p:sp>
       <p:sp>
         <p:nvSpPr>
-          <p:cNvPr id="5" name="object 7">
+          <p:cNvPr id="3" name="object 7">
             <a:extLst>
               <a:ext uri="{FF2B5EF4-FFF2-40B4-BE49-F238E27FC236}">
-                <a16:creationId xmlns:a16="http://schemas.microsoft.com/office/drawing/2014/main" id="{E3D31CB7-661B-9F4D-960D-86687A57F647}"/>
+                <a16:creationId xmlns:a16="http://schemas.microsoft.com/office/drawing/2014/main" id="{F1C248D7-2E88-B649-A618-0BB5AB2F7E1C}"/>
               </a:ext>
             </a:extLst>
           </p:cNvPr>
@@ -9092,10 +9042,10 @@
       </p:sp>
       <p:sp>
         <p:nvSpPr>
-          <p:cNvPr id="6" name="object 8">
+          <p:cNvPr id="4" name="object 8">
             <a:extLst>
               <a:ext uri="{FF2B5EF4-FFF2-40B4-BE49-F238E27FC236}">
-                <a16:creationId xmlns:a16="http://schemas.microsoft.com/office/drawing/2014/main" id="{2D2FF0E7-257E-B96E-8B7C-B826C9DB5F29}"/>
+                <a16:creationId xmlns:a16="http://schemas.microsoft.com/office/drawing/2014/main" id="{FAC62070-E840-E2E0-DDB6-7165113F0D3D}"/>
               </a:ext>
             </a:extLst>
           </p:cNvPr>
@@ -9144,10 +9094,10 @@
       </p:sp>
       <p:sp>
         <p:nvSpPr>
-          <p:cNvPr id="7" name="object 14">
+          <p:cNvPr id="5" name="object 14">
             <a:extLst>
               <a:ext uri="{FF2B5EF4-FFF2-40B4-BE49-F238E27FC236}">
-                <a16:creationId xmlns:a16="http://schemas.microsoft.com/office/drawing/2014/main" id="{3F3B2136-9721-6340-069E-7A79F64E8ED4}"/>
+                <a16:creationId xmlns:a16="http://schemas.microsoft.com/office/drawing/2014/main" id="{E3C64AA9-56E3-530D-6B96-A73CFC6AC29C}"/>
               </a:ext>
             </a:extLst>
           </p:cNvPr>
@@ -9242,10 +9192,10 @@
       </p:sp>
       <p:sp>
         <p:nvSpPr>
-          <p:cNvPr id="9" name="object 15">
+          <p:cNvPr id="6" name="object 15">
             <a:extLst>
               <a:ext uri="{FF2B5EF4-FFF2-40B4-BE49-F238E27FC236}">
-                <a16:creationId xmlns:a16="http://schemas.microsoft.com/office/drawing/2014/main" id="{8FF67A7E-5D88-A5AA-3E1E-3A087A68D8B3}"/>
+                <a16:creationId xmlns:a16="http://schemas.microsoft.com/office/drawing/2014/main" id="{2B0815DD-03BD-339D-65D2-250007946F51}"/>
               </a:ext>
             </a:extLst>
           </p:cNvPr>
@@ -9404,25 +9354,13 @@
     </p:spTree>
     <p:extLst>
       <p:ext uri="{BB962C8B-B14F-4D97-AF65-F5344CB8AC3E}">
-        <p14:creationId xmlns:p14="http://schemas.microsoft.com/office/powerpoint/2010/main" val="3267187105"/>
+        <p14:creationId xmlns:p14="http://schemas.microsoft.com/office/powerpoint/2010/main" val="3235454195"/>
       </p:ext>
     </p:extLst>
   </p:cSld>
   <p:clrMapOvr>
     <a:masterClrMapping/>
   </p:clrMapOvr>
-  <mc:AlternateContent xmlns:mc="http://schemas.openxmlformats.org/markup-compatibility/2006" xmlns:p14="http://schemas.microsoft.com/office/powerpoint/2010/main">
-    <mc:Choice Requires="p14">
-      <p:transition spd="med" p14:dur="700">
-        <p:fade/>
-      </p:transition>
-    </mc:Choice>
-    <mc:Fallback xmlns="">
-      <p:transition spd="med">
-        <p:fade/>
-      </p:transition>
-    </mc:Fallback>
-  </mc:AlternateContent>
 </p:sld>
 </file>
 
@@ -9445,10 +9383,10 @@
       </p:grpSpPr>
       <p:sp>
         <p:nvSpPr>
-          <p:cNvPr id="9" name="object 4">
+          <p:cNvPr id="2" name="object 4">
             <a:extLst>
               <a:ext uri="{FF2B5EF4-FFF2-40B4-BE49-F238E27FC236}">
-                <a16:creationId xmlns:a16="http://schemas.microsoft.com/office/drawing/2014/main" id="{E3261168-EEEB-73AB-6FBD-3EB218AA3FAE}"/>
+                <a16:creationId xmlns:a16="http://schemas.microsoft.com/office/drawing/2014/main" id="{092BBAE3-50F7-57C2-BE49-CCFE6E428D72}"/>
               </a:ext>
             </a:extLst>
           </p:cNvPr>
@@ -9598,10 +9536,10 @@
       </p:sp>
       <p:sp>
         <p:nvSpPr>
-          <p:cNvPr id="10" name="object 5">
+          <p:cNvPr id="3" name="object 5">
             <a:extLst>
               <a:ext uri="{FF2B5EF4-FFF2-40B4-BE49-F238E27FC236}">
-                <a16:creationId xmlns:a16="http://schemas.microsoft.com/office/drawing/2014/main" id="{FC328ED1-1997-CD80-A11F-91E1CA64778C}"/>
+                <a16:creationId xmlns:a16="http://schemas.microsoft.com/office/drawing/2014/main" id="{BD451B57-50F3-6A63-6300-8AB78962FFF1}"/>
               </a:ext>
             </a:extLst>
           </p:cNvPr>
@@ -9670,10 +9608,10 @@
       </p:sp>
       <p:pic>
         <p:nvPicPr>
-          <p:cNvPr id="11" name="object 6">
+          <p:cNvPr id="4" name="object 6">
             <a:extLst>
               <a:ext uri="{FF2B5EF4-FFF2-40B4-BE49-F238E27FC236}">
-                <a16:creationId xmlns:a16="http://schemas.microsoft.com/office/drawing/2014/main" id="{DAD39BD7-B1A7-A0C6-B36F-AB50248A2682}"/>
+                <a16:creationId xmlns:a16="http://schemas.microsoft.com/office/drawing/2014/main" id="{F0CDE100-A798-1CD4-FBBB-48148DDA5823}"/>
               </a:ext>
             </a:extLst>
           </p:cNvPr>
@@ -9698,10 +9636,10 @@
       </p:pic>
       <p:sp>
         <p:nvSpPr>
-          <p:cNvPr id="12" name="object 7">
+          <p:cNvPr id="5" name="object 7">
             <a:extLst>
               <a:ext uri="{FF2B5EF4-FFF2-40B4-BE49-F238E27FC236}">
-                <a16:creationId xmlns:a16="http://schemas.microsoft.com/office/drawing/2014/main" id="{6C2FCBCE-2781-FAD5-EE5D-DE85FA2909D6}"/>
+                <a16:creationId xmlns:a16="http://schemas.microsoft.com/office/drawing/2014/main" id="{E1DC7311-D194-3FFA-C7AF-78EF0463EDD0}"/>
               </a:ext>
             </a:extLst>
           </p:cNvPr>
@@ -9783,10 +9721,10 @@
       </p:sp>
       <p:pic>
         <p:nvPicPr>
-          <p:cNvPr id="13" name="object 8">
+          <p:cNvPr id="6" name="object 8">
             <a:extLst>
               <a:ext uri="{FF2B5EF4-FFF2-40B4-BE49-F238E27FC236}">
-                <a16:creationId xmlns:a16="http://schemas.microsoft.com/office/drawing/2014/main" id="{91625172-23DF-19DA-D08F-4FAA8D881B7F}"/>
+                <a16:creationId xmlns:a16="http://schemas.microsoft.com/office/drawing/2014/main" id="{F1B36DA9-3E22-AFA4-58EF-10A128426178}"/>
               </a:ext>
             </a:extLst>
           </p:cNvPr>
@@ -9811,10 +9749,10 @@
       </p:pic>
       <p:sp>
         <p:nvSpPr>
-          <p:cNvPr id="14" name="object 9">
+          <p:cNvPr id="7" name="object 9">
             <a:extLst>
               <a:ext uri="{FF2B5EF4-FFF2-40B4-BE49-F238E27FC236}">
-                <a16:creationId xmlns:a16="http://schemas.microsoft.com/office/drawing/2014/main" id="{0F30CDDB-C6BF-F7F8-BEA2-9FB9276D6FE0}"/>
+                <a16:creationId xmlns:a16="http://schemas.microsoft.com/office/drawing/2014/main" id="{405C0B78-42BF-2597-16B4-CB18E2DED700}"/>
               </a:ext>
             </a:extLst>
           </p:cNvPr>
@@ -9873,10 +9811,10 @@
       </p:sp>
       <p:sp>
         <p:nvSpPr>
-          <p:cNvPr id="15" name="object 10">
+          <p:cNvPr id="8" name="object 10">
             <a:extLst>
               <a:ext uri="{FF2B5EF4-FFF2-40B4-BE49-F238E27FC236}">
-                <a16:creationId xmlns:a16="http://schemas.microsoft.com/office/drawing/2014/main" id="{AE88E35F-589C-62C1-6D7B-D0A83E6AED43}"/>
+                <a16:creationId xmlns:a16="http://schemas.microsoft.com/office/drawing/2014/main" id="{CB78FEDC-2285-E219-1D8F-14963DD1B302}"/>
               </a:ext>
             </a:extLst>
           </p:cNvPr>
@@ -10006,7 +9944,7 @@
     </p:spTree>
     <p:extLst>
       <p:ext uri="{BB962C8B-B14F-4D97-AF65-F5344CB8AC3E}">
-        <p14:creationId xmlns:p14="http://schemas.microsoft.com/office/powerpoint/2010/main" val="1025166778"/>
+        <p14:creationId xmlns:p14="http://schemas.microsoft.com/office/powerpoint/2010/main" val="141080743"/>
       </p:ext>
     </p:extLst>
   </p:cSld>
@@ -10035,10 +9973,10 @@
       </p:grpSpPr>
       <p:sp>
         <p:nvSpPr>
-          <p:cNvPr id="12" name="object 4">
+          <p:cNvPr id="2" name="object 4">
             <a:extLst>
               <a:ext uri="{FF2B5EF4-FFF2-40B4-BE49-F238E27FC236}">
-                <a16:creationId xmlns:a16="http://schemas.microsoft.com/office/drawing/2014/main" id="{26E72A34-1220-A1B7-67C5-1385EE66A907}"/>
+                <a16:creationId xmlns:a16="http://schemas.microsoft.com/office/drawing/2014/main" id="{EB2DAA76-FA78-D607-2FCB-3C000D3F0AAA}"/>
               </a:ext>
             </a:extLst>
           </p:cNvPr>
@@ -10188,10 +10126,10 @@
       </p:sp>
       <p:sp>
         <p:nvSpPr>
-          <p:cNvPr id="13" name="object 5">
+          <p:cNvPr id="3" name="object 5">
             <a:extLst>
               <a:ext uri="{FF2B5EF4-FFF2-40B4-BE49-F238E27FC236}">
-                <a16:creationId xmlns:a16="http://schemas.microsoft.com/office/drawing/2014/main" id="{B625A454-A2A0-8EAC-E146-E5B9E50A3774}"/>
+                <a16:creationId xmlns:a16="http://schemas.microsoft.com/office/drawing/2014/main" id="{87EC4CE6-BF92-0696-2646-FDF1CFE2B088}"/>
               </a:ext>
             </a:extLst>
           </p:cNvPr>
@@ -10280,10 +10218,10 @@
       </p:sp>
       <p:grpSp>
         <p:nvGrpSpPr>
-          <p:cNvPr id="14" name="object 6">
+          <p:cNvPr id="4" name="object 6">
             <a:extLst>
               <a:ext uri="{FF2B5EF4-FFF2-40B4-BE49-F238E27FC236}">
-                <a16:creationId xmlns:a16="http://schemas.microsoft.com/office/drawing/2014/main" id="{96732086-9ABA-A11A-869B-06866469BE71}"/>
+                <a16:creationId xmlns:a16="http://schemas.microsoft.com/office/drawing/2014/main" id="{3DA1426B-B89A-3491-6A84-60CDF0724FE9}"/>
               </a:ext>
             </a:extLst>
           </p:cNvPr>
@@ -10300,10 +10238,10 @@
         </p:grpSpPr>
         <p:pic>
           <p:nvPicPr>
-            <p:cNvPr id="15" name="object 7">
+            <p:cNvPr id="5" name="object 7">
               <a:extLst>
                 <a:ext uri="{FF2B5EF4-FFF2-40B4-BE49-F238E27FC236}">
-                  <a16:creationId xmlns:a16="http://schemas.microsoft.com/office/drawing/2014/main" id="{CB34BCA3-C5D8-163D-965A-ED7636D68FF9}"/>
+                  <a16:creationId xmlns:a16="http://schemas.microsoft.com/office/drawing/2014/main" id="{3D8E19BB-D715-A306-DA50-05D0F0198D1F}"/>
                 </a:ext>
               </a:extLst>
             </p:cNvPr>
@@ -10328,10 +10266,10 @@
         </p:pic>
         <p:sp>
           <p:nvSpPr>
-            <p:cNvPr id="16" name="object 8">
+            <p:cNvPr id="6" name="object 8">
               <a:extLst>
                 <a:ext uri="{FF2B5EF4-FFF2-40B4-BE49-F238E27FC236}">
-                  <a16:creationId xmlns:a16="http://schemas.microsoft.com/office/drawing/2014/main" id="{BE909DE0-D7B1-4977-BAC2-F5E5E897DA0A}"/>
+                  <a16:creationId xmlns:a16="http://schemas.microsoft.com/office/drawing/2014/main" id="{0AF2B71B-5B7E-5672-F994-A802FD0FD11E}"/>
                 </a:ext>
               </a:extLst>
             </p:cNvPr>
@@ -10413,10 +10351,10 @@
         </p:sp>
         <p:sp>
           <p:nvSpPr>
-            <p:cNvPr id="17" name="object 9">
+            <p:cNvPr id="7" name="object 9">
               <a:extLst>
                 <a:ext uri="{FF2B5EF4-FFF2-40B4-BE49-F238E27FC236}">
-                  <a16:creationId xmlns:a16="http://schemas.microsoft.com/office/drawing/2014/main" id="{3465AE7F-3A74-5A1F-275D-D7916D45F380}"/>
+                  <a16:creationId xmlns:a16="http://schemas.microsoft.com/office/drawing/2014/main" id="{2E5976BE-E565-7A92-FDA5-10D3A8349F43}"/>
                 </a:ext>
               </a:extLst>
             </p:cNvPr>
@@ -10488,10 +10426,10 @@
         </p:sp>
         <p:sp>
           <p:nvSpPr>
-            <p:cNvPr id="18" name="object 10">
+            <p:cNvPr id="8" name="object 10">
               <a:extLst>
                 <a:ext uri="{FF2B5EF4-FFF2-40B4-BE49-F238E27FC236}">
-                  <a16:creationId xmlns:a16="http://schemas.microsoft.com/office/drawing/2014/main" id="{0EC5CD25-0AFE-D8D4-C281-229871A72781}"/>
+                  <a16:creationId xmlns:a16="http://schemas.microsoft.com/office/drawing/2014/main" id="{D7C6334A-FE71-F1CB-6FBA-C00D4880BE81}"/>
                 </a:ext>
               </a:extLst>
             </p:cNvPr>
@@ -10581,10 +10519,10 @@
       </p:grpSp>
       <p:sp>
         <p:nvSpPr>
-          <p:cNvPr id="19" name="object 11">
+          <p:cNvPr id="9" name="object 11">
             <a:extLst>
               <a:ext uri="{FF2B5EF4-FFF2-40B4-BE49-F238E27FC236}">
-                <a16:creationId xmlns:a16="http://schemas.microsoft.com/office/drawing/2014/main" id="{20E2004F-E7F1-0515-DF40-50F230781BE6}"/>
+                <a16:creationId xmlns:a16="http://schemas.microsoft.com/office/drawing/2014/main" id="{82196A73-CAD9-F668-4F21-596CF5A46CE9}"/>
               </a:ext>
             </a:extLst>
           </p:cNvPr>
@@ -11129,10 +11067,10 @@
       </p:sp>
       <p:sp>
         <p:nvSpPr>
-          <p:cNvPr id="20" name="object 12">
+          <p:cNvPr id="10" name="object 12">
             <a:extLst>
               <a:ext uri="{FF2B5EF4-FFF2-40B4-BE49-F238E27FC236}">
-                <a16:creationId xmlns:a16="http://schemas.microsoft.com/office/drawing/2014/main" id="{3ED90AB0-96AD-AF69-54F8-DF0FC4D600FA}"/>
+                <a16:creationId xmlns:a16="http://schemas.microsoft.com/office/drawing/2014/main" id="{94D79452-D151-B383-E9E0-0040FDD77C80}"/>
               </a:ext>
             </a:extLst>
           </p:cNvPr>
@@ -11214,10 +11152,10 @@
       </p:sp>
       <p:sp>
         <p:nvSpPr>
-          <p:cNvPr id="21" name="object 13">
+          <p:cNvPr id="11" name="object 13">
             <a:extLst>
               <a:ext uri="{FF2B5EF4-FFF2-40B4-BE49-F238E27FC236}">
-                <a16:creationId xmlns:a16="http://schemas.microsoft.com/office/drawing/2014/main" id="{4C962ACB-56E4-BE4C-38C1-710BF6AD0529}"/>
+                <a16:creationId xmlns:a16="http://schemas.microsoft.com/office/drawing/2014/main" id="{27C782F5-5D30-392D-3208-A98956F430D1}"/>
               </a:ext>
             </a:extLst>
           </p:cNvPr>
@@ -11347,7 +11285,7 @@
     </p:spTree>
     <p:extLst>
       <p:ext uri="{BB962C8B-B14F-4D97-AF65-F5344CB8AC3E}">
-        <p14:creationId xmlns:p14="http://schemas.microsoft.com/office/powerpoint/2010/main" val="907306900"/>
+        <p14:creationId xmlns:p14="http://schemas.microsoft.com/office/powerpoint/2010/main" val="3080917235"/>
       </p:ext>
     </p:extLst>
   </p:cSld>
@@ -11376,10 +11314,10 @@
       </p:grpSpPr>
       <p:sp>
         <p:nvSpPr>
-          <p:cNvPr id="7" name="object 4">
+          <p:cNvPr id="2" name="object 4">
             <a:extLst>
               <a:ext uri="{FF2B5EF4-FFF2-40B4-BE49-F238E27FC236}">
-                <a16:creationId xmlns:a16="http://schemas.microsoft.com/office/drawing/2014/main" id="{860790BB-93D6-656D-3965-D4C7F00EF02E}"/>
+                <a16:creationId xmlns:a16="http://schemas.microsoft.com/office/drawing/2014/main" id="{5DD93E06-2A4C-E0F4-DF4C-9B7E0593E298}"/>
               </a:ext>
             </a:extLst>
           </p:cNvPr>
@@ -11529,10 +11467,10 @@
       </p:sp>
       <p:sp>
         <p:nvSpPr>
-          <p:cNvPr id="8" name="object 5">
+          <p:cNvPr id="3" name="object 5">
             <a:extLst>
               <a:ext uri="{FF2B5EF4-FFF2-40B4-BE49-F238E27FC236}">
-                <a16:creationId xmlns:a16="http://schemas.microsoft.com/office/drawing/2014/main" id="{FE3257AD-9AE9-27B2-F905-DA47B4234B2E}"/>
+                <a16:creationId xmlns:a16="http://schemas.microsoft.com/office/drawing/2014/main" id="{1CC2B294-E843-73CF-D450-A4FA4AC482C5}"/>
               </a:ext>
             </a:extLst>
           </p:cNvPr>
@@ -11615,10 +11553,10 @@
       </p:sp>
       <p:pic>
         <p:nvPicPr>
-          <p:cNvPr id="9" name="object 6">
+          <p:cNvPr id="4" name="object 6">
             <a:extLst>
               <a:ext uri="{FF2B5EF4-FFF2-40B4-BE49-F238E27FC236}">
-                <a16:creationId xmlns:a16="http://schemas.microsoft.com/office/drawing/2014/main" id="{50692592-5949-96B7-A7A7-D3761F3408BE}"/>
+                <a16:creationId xmlns:a16="http://schemas.microsoft.com/office/drawing/2014/main" id="{F3C32B12-3031-521F-FE2C-9A38E652E346}"/>
               </a:ext>
             </a:extLst>
           </p:cNvPr>
@@ -11643,10 +11581,10 @@
       </p:pic>
       <p:sp>
         <p:nvSpPr>
-          <p:cNvPr id="10" name="object 7">
+          <p:cNvPr id="5" name="object 7">
             <a:extLst>
               <a:ext uri="{FF2B5EF4-FFF2-40B4-BE49-F238E27FC236}">
-                <a16:creationId xmlns:a16="http://schemas.microsoft.com/office/drawing/2014/main" id="{C483AFBA-69B5-0FDB-E406-58711C86058B}"/>
+                <a16:creationId xmlns:a16="http://schemas.microsoft.com/office/drawing/2014/main" id="{69D7559D-422B-7DFE-9D2D-42761F007E03}"/>
               </a:ext>
             </a:extLst>
           </p:cNvPr>
@@ -11815,10 +11753,10 @@
       </p:sp>
       <p:sp>
         <p:nvSpPr>
-          <p:cNvPr id="11" name="object 8">
+          <p:cNvPr id="6" name="object 8">
             <a:extLst>
               <a:ext uri="{FF2B5EF4-FFF2-40B4-BE49-F238E27FC236}">
-                <a16:creationId xmlns:a16="http://schemas.microsoft.com/office/drawing/2014/main" id="{74E4C3E1-223D-7429-CA6E-F6FA0D167E9C}"/>
+                <a16:creationId xmlns:a16="http://schemas.microsoft.com/office/drawing/2014/main" id="{91B1FB3A-9E2E-58E0-047F-8B1954470766}"/>
               </a:ext>
             </a:extLst>
           </p:cNvPr>
@@ -11948,7 +11886,7 @@
     </p:spTree>
     <p:extLst>
       <p:ext uri="{BB962C8B-B14F-4D97-AF65-F5344CB8AC3E}">
-        <p14:creationId xmlns:p14="http://schemas.microsoft.com/office/powerpoint/2010/main" val="3308866826"/>
+        <p14:creationId xmlns:p14="http://schemas.microsoft.com/office/powerpoint/2010/main" val="4066599349"/>
       </p:ext>
     </p:extLst>
   </p:cSld>
@@ -11977,10 +11915,10 @@
       </p:grpSpPr>
       <p:sp>
         <p:nvSpPr>
-          <p:cNvPr id="8" name="Content Placeholder 2">
+          <p:cNvPr id="2" name="Content Placeholder 2">
             <a:extLst>
               <a:ext uri="{FF2B5EF4-FFF2-40B4-BE49-F238E27FC236}">
-                <a16:creationId xmlns:a16="http://schemas.microsoft.com/office/drawing/2014/main" id="{55F986D5-D7D9-6446-9526-9389CD9831D8}"/>
+                <a16:creationId xmlns:a16="http://schemas.microsoft.com/office/drawing/2014/main" id="{5477BA71-7041-9F56-FA28-1EF93038C7F4}"/>
               </a:ext>
             </a:extLst>
           </p:cNvPr>
@@ -12207,10 +12145,10 @@
       </p:sp>
       <p:sp>
         <p:nvSpPr>
-          <p:cNvPr id="5" name="object 7">
+          <p:cNvPr id="3" name="object 7">
             <a:extLst>
               <a:ext uri="{FF2B5EF4-FFF2-40B4-BE49-F238E27FC236}">
-                <a16:creationId xmlns:a16="http://schemas.microsoft.com/office/drawing/2014/main" id="{E3D31CB7-661B-9F4D-960D-86687A57F647}"/>
+                <a16:creationId xmlns:a16="http://schemas.microsoft.com/office/drawing/2014/main" id="{A4139279-388B-3FE9-0DD7-669314E608D1}"/>
               </a:ext>
             </a:extLst>
           </p:cNvPr>
@@ -12263,10 +12201,10 @@
       </p:sp>
       <p:sp>
         <p:nvSpPr>
-          <p:cNvPr id="6" name="object 8">
+          <p:cNvPr id="4" name="object 8">
             <a:extLst>
               <a:ext uri="{FF2B5EF4-FFF2-40B4-BE49-F238E27FC236}">
-                <a16:creationId xmlns:a16="http://schemas.microsoft.com/office/drawing/2014/main" id="{2D2FF0E7-257E-B96E-8B7C-B826C9DB5F29}"/>
+                <a16:creationId xmlns:a16="http://schemas.microsoft.com/office/drawing/2014/main" id="{B55DEAB4-5079-ADB8-2BA6-647D81FC53FA}"/>
               </a:ext>
             </a:extLst>
           </p:cNvPr>
@@ -12315,10 +12253,10 @@
       </p:sp>
       <p:sp>
         <p:nvSpPr>
-          <p:cNvPr id="7" name="object 14">
+          <p:cNvPr id="5" name="object 14">
             <a:extLst>
               <a:ext uri="{FF2B5EF4-FFF2-40B4-BE49-F238E27FC236}">
-                <a16:creationId xmlns:a16="http://schemas.microsoft.com/office/drawing/2014/main" id="{3F3B2136-9721-6340-069E-7A79F64E8ED4}"/>
+                <a16:creationId xmlns:a16="http://schemas.microsoft.com/office/drawing/2014/main" id="{699E8CF3-E3EB-AC17-152E-1E9B47308CAC}"/>
               </a:ext>
             </a:extLst>
           </p:cNvPr>
@@ -12413,10 +12351,10 @@
       </p:sp>
       <p:sp>
         <p:nvSpPr>
-          <p:cNvPr id="9" name="object 15">
+          <p:cNvPr id="6" name="object 15">
             <a:extLst>
               <a:ext uri="{FF2B5EF4-FFF2-40B4-BE49-F238E27FC236}">
-                <a16:creationId xmlns:a16="http://schemas.microsoft.com/office/drawing/2014/main" id="{8FF67A7E-5D88-A5AA-3E1E-3A087A68D8B3}"/>
+                <a16:creationId xmlns:a16="http://schemas.microsoft.com/office/drawing/2014/main" id="{9155579D-D5C0-CE1A-B6FA-5A51B039EAE4}"/>
               </a:ext>
             </a:extLst>
           </p:cNvPr>
@@ -12540,25 +12478,13 @@
     </p:spTree>
     <p:extLst>
       <p:ext uri="{BB962C8B-B14F-4D97-AF65-F5344CB8AC3E}">
-        <p14:creationId xmlns:p14="http://schemas.microsoft.com/office/powerpoint/2010/main" val="3061291588"/>
+        <p14:creationId xmlns:p14="http://schemas.microsoft.com/office/powerpoint/2010/main" val="2918312005"/>
       </p:ext>
     </p:extLst>
   </p:cSld>
   <p:clrMapOvr>
     <a:masterClrMapping/>
   </p:clrMapOvr>
-  <mc:AlternateContent xmlns:mc="http://schemas.openxmlformats.org/markup-compatibility/2006" xmlns:p14="http://schemas.microsoft.com/office/powerpoint/2010/main">
-    <mc:Choice Requires="p14">
-      <p:transition spd="med" p14:dur="700">
-        <p:fade/>
-      </p:transition>
-    </mc:Choice>
-    <mc:Fallback xmlns="">
-      <p:transition spd="med">
-        <p:fade/>
-      </p:transition>
-    </mc:Fallback>
-  </mc:AlternateContent>
 </p:sld>
 </file>
 
@@ -12811,10 +12737,240 @@
       </p:sp>
       <p:sp>
         <p:nvSpPr>
-          <p:cNvPr id="5" name="object 7">
+          <p:cNvPr id="2" name="Content Placeholder 2">
             <a:extLst>
               <a:ext uri="{FF2B5EF4-FFF2-40B4-BE49-F238E27FC236}">
-                <a16:creationId xmlns:a16="http://schemas.microsoft.com/office/drawing/2014/main" id="{E3D31CB7-661B-9F4D-960D-86687A57F647}"/>
+                <a16:creationId xmlns:a16="http://schemas.microsoft.com/office/drawing/2014/main" id="{7AC071BC-BFFC-1F7E-909F-394E5D8FF858}"/>
+              </a:ext>
+            </a:extLst>
+          </p:cNvPr>
+          <p:cNvSpPr txBox="1">
+            <a:spLocks/>
+          </p:cNvSpPr>
+          <p:nvPr/>
+        </p:nvSpPr>
+        <p:spPr>
+          <a:xfrm>
+            <a:off x="736258" y="2026606"/>
+            <a:ext cx="10733557" cy="4690459"/>
+          </a:xfrm>
+          <a:prstGeom prst="rect">
+            <a:avLst/>
+          </a:prstGeom>
+        </p:spPr>
+        <p:txBody>
+          <a:bodyPr lIns="0" tIns="0" rIns="0" bIns="0"/>
+          <a:lstStyle>
+            <a:lvl1pPr marL="179388" marR="0" indent="-168275" algn="l" defTabSz="1187798" rtl="0" eaLnBrk="1" fontAlgn="auto" latinLnBrk="0" hangingPunct="1">
+              <a:lnSpc>
+                <a:spcPct val="100000"/>
+              </a:lnSpc>
+              <a:spcBef>
+                <a:spcPts val="0"/>
+              </a:spcBef>
+              <a:spcAft>
+                <a:spcPts val="600"/>
+              </a:spcAft>
+              <a:buClr>
+                <a:schemeClr val="accent1"/>
+              </a:buClr>
+              <a:buSzTx/>
+              <a:buFont typeface="Arial" panose="020B0604020202020204" pitchFamily="34" charset="0"/>
+              <a:buChar char="•"/>
+              <a:tabLst>
+                <a:tab pos="1208088" algn="ctr"/>
+              </a:tabLst>
+              <a:defRPr sz="1800" kern="1200" baseline="0">
+                <a:solidFill>
+                  <a:schemeClr val="tx1"/>
+                </a:solidFill>
+                <a:latin typeface="Microsoft YaHei" panose="020B0503020204020204" pitchFamily="34" charset="-122"/>
+                <a:ea typeface="Microsoft YaHei" panose="020B0503020204020204" pitchFamily="34" charset="-122"/>
+                <a:cs typeface="Arial" panose="020B0604020202020204" pitchFamily="34" charset="0"/>
+              </a:defRPr>
+            </a:lvl1pPr>
+            <a:lvl2pPr marL="329026" marR="0" indent="-168275" algn="l" defTabSz="1187798" rtl="0" eaLnBrk="1" fontAlgn="auto" latinLnBrk="0" hangingPunct="1">
+              <a:lnSpc>
+                <a:spcPct val="100000"/>
+              </a:lnSpc>
+              <a:spcBef>
+                <a:spcPts val="0"/>
+              </a:spcBef>
+              <a:spcAft>
+                <a:spcPts val="600"/>
+              </a:spcAft>
+              <a:buClr>
+                <a:schemeClr val="tx1"/>
+              </a:buClr>
+              <a:buSzTx/>
+              <a:buFont typeface=".AppleSystemUIFont"/>
+              <a:buChar char="&gt;"/>
+              <a:tabLst>
+                <a:tab pos="1208088" algn="ctr"/>
+              </a:tabLst>
+              <a:defRPr sz="1600" kern="1200" baseline="0">
+                <a:solidFill>
+                  <a:schemeClr val="tx1"/>
+                </a:solidFill>
+                <a:latin typeface="Microsoft YaHei" panose="020B0503020204020204" pitchFamily="34" charset="-122"/>
+                <a:ea typeface="Microsoft YaHei" panose="020B0503020204020204" pitchFamily="34" charset="-122"/>
+                <a:cs typeface="+mn-cs"/>
+              </a:defRPr>
+            </a:lvl2pPr>
+            <a:lvl3pPr marL="1098575" marR="0" indent="-168275" algn="l" defTabSz="1187798" rtl="0" eaLnBrk="1" fontAlgn="auto" latinLnBrk="0" hangingPunct="1">
+              <a:lnSpc>
+                <a:spcPct val="100000"/>
+              </a:lnSpc>
+              <a:spcBef>
+                <a:spcPts val="0"/>
+              </a:spcBef>
+              <a:spcAft>
+                <a:spcPts val="600"/>
+              </a:spcAft>
+              <a:buClr>
+                <a:schemeClr val="tx1"/>
+              </a:buClr>
+              <a:buSzTx/>
+              <a:buFont typeface=".AppleSystemUIFont"/>
+              <a:buChar char="-"/>
+              <a:tabLst>
+                <a:tab pos="1208088" algn="ctr"/>
+              </a:tabLst>
+              <a:defRPr sz="1299" kern="1200" baseline="0">
+                <a:solidFill>
+                  <a:schemeClr val="tx1"/>
+                </a:solidFill>
+                <a:latin typeface="Microsoft YaHei" panose="020B0503020204020204" pitchFamily="34" charset="-122"/>
+                <a:ea typeface="Microsoft YaHei" panose="020B0503020204020204" pitchFamily="34" charset="-122"/>
+                <a:cs typeface="+mn-cs"/>
+              </a:defRPr>
+            </a:lvl3pPr>
+            <a:lvl4pPr marL="525850" indent="-171159" algn="l" defTabSz="1187798" rtl="0" eaLnBrk="1" latinLnBrk="0" hangingPunct="1">
+              <a:lnSpc>
+                <a:spcPct val="90000"/>
+              </a:lnSpc>
+              <a:spcBef>
+                <a:spcPts val="650"/>
+              </a:spcBef>
+              <a:buFont typeface="Arial" panose="020B0604020202020204" pitchFamily="34" charset="0"/>
+              <a:buChar char="•"/>
+              <a:tabLst>
+                <a:tab pos="1208420" algn="ctr"/>
+              </a:tabLst>
+              <a:defRPr sz="1299" kern="1200" baseline="0">
+                <a:solidFill>
+                  <a:schemeClr val="tx1"/>
+                </a:solidFill>
+                <a:latin typeface="+mn-lt"/>
+                <a:ea typeface="+mn-ea"/>
+                <a:cs typeface="+mn-cs"/>
+              </a:defRPr>
+            </a:lvl4pPr>
+            <a:lvl5pPr marL="525850" indent="-171159" algn="l" defTabSz="1187798" rtl="0" eaLnBrk="1" latinLnBrk="0" hangingPunct="1">
+              <a:lnSpc>
+                <a:spcPct val="90000"/>
+              </a:lnSpc>
+              <a:spcBef>
+                <a:spcPts val="650"/>
+              </a:spcBef>
+              <a:buFont typeface="Arial" panose="020B0604020202020204" pitchFamily="34" charset="0"/>
+              <a:buChar char="•"/>
+              <a:tabLst>
+                <a:tab pos="1208420" algn="ctr"/>
+              </a:tabLst>
+              <a:defRPr sz="1299" kern="1200" baseline="0">
+                <a:solidFill>
+                  <a:schemeClr val="tx1"/>
+                </a:solidFill>
+                <a:latin typeface="+mn-lt"/>
+                <a:ea typeface="+mn-ea"/>
+                <a:cs typeface="+mn-cs"/>
+              </a:defRPr>
+            </a:lvl5pPr>
+            <a:lvl6pPr marL="3266447" indent="-296950" algn="l" defTabSz="1187798" rtl="0" eaLnBrk="1" latinLnBrk="0" hangingPunct="1">
+              <a:lnSpc>
+                <a:spcPct val="90000"/>
+              </a:lnSpc>
+              <a:spcBef>
+                <a:spcPts val="650"/>
+              </a:spcBef>
+              <a:buFont typeface="Arial" panose="020B0604020202020204" pitchFamily="34" charset="0"/>
+              <a:buChar char="•"/>
+              <a:defRPr sz="2338" kern="1200">
+                <a:solidFill>
+                  <a:schemeClr val="tx1"/>
+                </a:solidFill>
+                <a:latin typeface="+mn-lt"/>
+                <a:ea typeface="+mn-ea"/>
+                <a:cs typeface="+mn-cs"/>
+              </a:defRPr>
+            </a:lvl6pPr>
+            <a:lvl7pPr marL="3860346" indent="-296950" algn="l" defTabSz="1187798" rtl="0" eaLnBrk="1" latinLnBrk="0" hangingPunct="1">
+              <a:lnSpc>
+                <a:spcPct val="90000"/>
+              </a:lnSpc>
+              <a:spcBef>
+                <a:spcPts val="650"/>
+              </a:spcBef>
+              <a:buFont typeface="Arial" panose="020B0604020202020204" pitchFamily="34" charset="0"/>
+              <a:buChar char="•"/>
+              <a:defRPr sz="2338" kern="1200">
+                <a:solidFill>
+                  <a:schemeClr val="tx1"/>
+                </a:solidFill>
+                <a:latin typeface="+mn-lt"/>
+                <a:ea typeface="+mn-ea"/>
+                <a:cs typeface="+mn-cs"/>
+              </a:defRPr>
+            </a:lvl7pPr>
+            <a:lvl8pPr marL="4454245" indent="-296950" algn="l" defTabSz="1187798" rtl="0" eaLnBrk="1" latinLnBrk="0" hangingPunct="1">
+              <a:lnSpc>
+                <a:spcPct val="90000"/>
+              </a:lnSpc>
+              <a:spcBef>
+                <a:spcPts val="650"/>
+              </a:spcBef>
+              <a:buFont typeface="Arial" panose="020B0604020202020204" pitchFamily="34" charset="0"/>
+              <a:buChar char="•"/>
+              <a:defRPr sz="2338" kern="1200">
+                <a:solidFill>
+                  <a:schemeClr val="tx1"/>
+                </a:solidFill>
+                <a:latin typeface="+mn-lt"/>
+                <a:ea typeface="+mn-ea"/>
+                <a:cs typeface="+mn-cs"/>
+              </a:defRPr>
+            </a:lvl8pPr>
+            <a:lvl9pPr marL="5048144" indent="-296950" algn="l" defTabSz="1187798" rtl="0" eaLnBrk="1" latinLnBrk="0" hangingPunct="1">
+              <a:lnSpc>
+                <a:spcPct val="90000"/>
+              </a:lnSpc>
+              <a:spcBef>
+                <a:spcPts val="650"/>
+              </a:spcBef>
+              <a:buFont typeface="Arial" panose="020B0604020202020204" pitchFamily="34" charset="0"/>
+              <a:buChar char="•"/>
+              <a:defRPr sz="2338" kern="1200">
+                <a:solidFill>
+                  <a:schemeClr val="tx1"/>
+                </a:solidFill>
+                <a:latin typeface="+mn-lt"/>
+                <a:ea typeface="+mn-ea"/>
+                <a:cs typeface="+mn-cs"/>
+              </a:defRPr>
+            </a:lvl9pPr>
+          </a:lstStyle>
+          <a:p>
+            <a:endParaRPr lang="en-US" dirty="0"/>
+          </a:p>
+        </p:txBody>
+      </p:sp>
+      <p:sp>
+        <p:nvSpPr>
+          <p:cNvPr id="3" name="object 7">
+            <a:extLst>
+              <a:ext uri="{FF2B5EF4-FFF2-40B4-BE49-F238E27FC236}">
+                <a16:creationId xmlns:a16="http://schemas.microsoft.com/office/drawing/2014/main" id="{A6B29239-EDBE-C93D-A1C2-55E6C56CF7A4}"/>
               </a:ext>
             </a:extLst>
           </p:cNvPr>
@@ -12867,10 +13023,10 @@
       </p:sp>
       <p:sp>
         <p:nvSpPr>
-          <p:cNvPr id="6" name="object 8">
+          <p:cNvPr id="5" name="object 8">
             <a:extLst>
               <a:ext uri="{FF2B5EF4-FFF2-40B4-BE49-F238E27FC236}">
-                <a16:creationId xmlns:a16="http://schemas.microsoft.com/office/drawing/2014/main" id="{2D2FF0E7-257E-B96E-8B7C-B826C9DB5F29}"/>
+                <a16:creationId xmlns:a16="http://schemas.microsoft.com/office/drawing/2014/main" id="{B593DC8F-0E37-BCE8-6000-3618BF9AB3FA}"/>
               </a:ext>
             </a:extLst>
           </p:cNvPr>
@@ -12919,10 +13075,10 @@
       </p:sp>
       <p:sp>
         <p:nvSpPr>
-          <p:cNvPr id="7" name="object 14">
+          <p:cNvPr id="6" name="object 14">
             <a:extLst>
               <a:ext uri="{FF2B5EF4-FFF2-40B4-BE49-F238E27FC236}">
-                <a16:creationId xmlns:a16="http://schemas.microsoft.com/office/drawing/2014/main" id="{3F3B2136-9721-6340-069E-7A79F64E8ED4}"/>
+                <a16:creationId xmlns:a16="http://schemas.microsoft.com/office/drawing/2014/main" id="{CB0E6D1A-2FA7-FC76-BBB7-361969F6D206}"/>
               </a:ext>
             </a:extLst>
           </p:cNvPr>
@@ -13015,10 +13171,10 @@
       </p:sp>
       <p:sp>
         <p:nvSpPr>
-          <p:cNvPr id="9" name="object 15">
+          <p:cNvPr id="7" name="object 15">
             <a:extLst>
               <a:ext uri="{FF2B5EF4-FFF2-40B4-BE49-F238E27FC236}">
-                <a16:creationId xmlns:a16="http://schemas.microsoft.com/office/drawing/2014/main" id="{8FF67A7E-5D88-A5AA-3E1E-3A087A68D8B3}"/>
+                <a16:creationId xmlns:a16="http://schemas.microsoft.com/office/drawing/2014/main" id="{DB770E74-46D0-EDE5-6E9B-18137F838AF9}"/>
               </a:ext>
             </a:extLst>
           </p:cNvPr>
@@ -13244,10 +13400,10 @@
       </p:grpSpPr>
       <p:sp>
         <p:nvSpPr>
-          <p:cNvPr id="8" name="object 4">
+          <p:cNvPr id="2" name="object 4">
             <a:extLst>
               <a:ext uri="{FF2B5EF4-FFF2-40B4-BE49-F238E27FC236}">
-                <a16:creationId xmlns:a16="http://schemas.microsoft.com/office/drawing/2014/main" id="{FA993259-8FAA-9F61-BF11-D4286938411F}"/>
+                <a16:creationId xmlns:a16="http://schemas.microsoft.com/office/drawing/2014/main" id="{5D02AE0A-4604-7175-FDF4-7246DB3E6290}"/>
               </a:ext>
             </a:extLst>
           </p:cNvPr>
@@ -13381,10 +13537,10 @@
       </p:sp>
       <p:sp>
         <p:nvSpPr>
-          <p:cNvPr id="9" name="object 5">
+          <p:cNvPr id="3" name="object 5">
             <a:extLst>
               <a:ext uri="{FF2B5EF4-FFF2-40B4-BE49-F238E27FC236}">
-                <a16:creationId xmlns:a16="http://schemas.microsoft.com/office/drawing/2014/main" id="{A110D416-61B4-13BC-74C3-8ECB32F5C19B}"/>
+                <a16:creationId xmlns:a16="http://schemas.microsoft.com/office/drawing/2014/main" id="{12AB57A4-6B5B-5F32-8030-2F602EC124DB}"/>
               </a:ext>
             </a:extLst>
           </p:cNvPr>
@@ -13679,10 +13835,10 @@
       </p:sp>
       <p:grpSp>
         <p:nvGrpSpPr>
-          <p:cNvPr id="10" name="object 6">
+          <p:cNvPr id="4" name="object 6">
             <a:extLst>
               <a:ext uri="{FF2B5EF4-FFF2-40B4-BE49-F238E27FC236}">
-                <a16:creationId xmlns:a16="http://schemas.microsoft.com/office/drawing/2014/main" id="{611994AB-59B0-67F3-63AF-676FBF084F92}"/>
+                <a16:creationId xmlns:a16="http://schemas.microsoft.com/office/drawing/2014/main" id="{CC5F676A-B3D1-958E-A159-68C4E25E2652}"/>
               </a:ext>
             </a:extLst>
           </p:cNvPr>
@@ -13699,10 +13855,10 @@
         </p:grpSpPr>
         <p:pic>
           <p:nvPicPr>
-            <p:cNvPr id="11" name="object 7">
+            <p:cNvPr id="5" name="object 7">
               <a:extLst>
                 <a:ext uri="{FF2B5EF4-FFF2-40B4-BE49-F238E27FC236}">
-                  <a16:creationId xmlns:a16="http://schemas.microsoft.com/office/drawing/2014/main" id="{7DE41BAC-345C-56AD-5728-5838C7985848}"/>
+                  <a16:creationId xmlns:a16="http://schemas.microsoft.com/office/drawing/2014/main" id="{F80DE0FD-9D12-7FB7-32B2-66F3FD0992D0}"/>
                 </a:ext>
               </a:extLst>
             </p:cNvPr>
@@ -13727,10 +13883,10 @@
         </p:pic>
         <p:sp>
           <p:nvSpPr>
-            <p:cNvPr id="12" name="object 8">
+            <p:cNvPr id="6" name="object 8">
               <a:extLst>
                 <a:ext uri="{FF2B5EF4-FFF2-40B4-BE49-F238E27FC236}">
-                  <a16:creationId xmlns:a16="http://schemas.microsoft.com/office/drawing/2014/main" id="{637B0CA5-F525-886E-277C-DC7B04C3F650}"/>
+                  <a16:creationId xmlns:a16="http://schemas.microsoft.com/office/drawing/2014/main" id="{C259BE97-27AF-86ED-F274-8AA5674B5574}"/>
                 </a:ext>
               </a:extLst>
             </p:cNvPr>
@@ -13812,10 +13968,10 @@
         </p:sp>
         <p:sp>
           <p:nvSpPr>
-            <p:cNvPr id="13" name="object 9">
+            <p:cNvPr id="7" name="object 9">
               <a:extLst>
                 <a:ext uri="{FF2B5EF4-FFF2-40B4-BE49-F238E27FC236}">
-                  <a16:creationId xmlns:a16="http://schemas.microsoft.com/office/drawing/2014/main" id="{29A407C1-93FF-77C1-E322-678FCE2D5DAD}"/>
+                  <a16:creationId xmlns:a16="http://schemas.microsoft.com/office/drawing/2014/main" id="{C81F9841-28C2-CFEE-4956-619CCF81BC4C}"/>
                 </a:ext>
               </a:extLst>
             </p:cNvPr>
@@ -13899,7 +14055,7 @@
     </p:spTree>
     <p:extLst>
       <p:ext uri="{BB962C8B-B14F-4D97-AF65-F5344CB8AC3E}">
-        <p14:creationId xmlns:p14="http://schemas.microsoft.com/office/powerpoint/2010/main" val="4165876304"/>
+        <p14:creationId xmlns:p14="http://schemas.microsoft.com/office/powerpoint/2010/main" val="2101513874"/>
       </p:ext>
     </p:extLst>
   </p:cSld>
@@ -13928,10 +14084,10 @@
       </p:grpSpPr>
       <p:sp>
         <p:nvSpPr>
-          <p:cNvPr id="86" name="object 2">
+          <p:cNvPr id="4" name="object 2">
             <a:extLst>
               <a:ext uri="{FF2B5EF4-FFF2-40B4-BE49-F238E27FC236}">
-                <a16:creationId xmlns:a16="http://schemas.microsoft.com/office/drawing/2014/main" id="{14F5DCAD-AE03-3C32-7127-005A144DF382}"/>
+                <a16:creationId xmlns:a16="http://schemas.microsoft.com/office/drawing/2014/main" id="{4D256B1D-2FD6-473F-EF2F-C37B5D54F904}"/>
               </a:ext>
             </a:extLst>
           </p:cNvPr>
@@ -13977,10 +14133,10 @@
       </p:sp>
       <p:pic>
         <p:nvPicPr>
-          <p:cNvPr id="88" name="object 4">
+          <p:cNvPr id="5" name="object 4">
             <a:extLst>
               <a:ext uri="{FF2B5EF4-FFF2-40B4-BE49-F238E27FC236}">
-                <a16:creationId xmlns:a16="http://schemas.microsoft.com/office/drawing/2014/main" id="{03E8DEF0-0414-E406-945D-F54492BBAE73}"/>
+                <a16:creationId xmlns:a16="http://schemas.microsoft.com/office/drawing/2014/main" id="{C950C289-27AA-CAC9-A2AC-D7CF7107DC45}"/>
               </a:ext>
             </a:extLst>
           </p:cNvPr>
@@ -14005,10 +14161,10 @@
       </p:pic>
       <p:sp>
         <p:nvSpPr>
-          <p:cNvPr id="89" name="object 5">
+          <p:cNvPr id="6" name="object 5">
             <a:extLst>
               <a:ext uri="{FF2B5EF4-FFF2-40B4-BE49-F238E27FC236}">
-                <a16:creationId xmlns:a16="http://schemas.microsoft.com/office/drawing/2014/main" id="{EBC8C0DE-BB9E-B29C-AEA4-4B55D55E88D4}"/>
+                <a16:creationId xmlns:a16="http://schemas.microsoft.com/office/drawing/2014/main" id="{991720E4-38FA-DEEE-05ED-11AA4881308D}"/>
               </a:ext>
             </a:extLst>
           </p:cNvPr>
@@ -14057,10 +14213,10 @@
       </p:sp>
       <p:sp>
         <p:nvSpPr>
-          <p:cNvPr id="90" name="object 6">
+          <p:cNvPr id="7" name="object 6">
             <a:extLst>
               <a:ext uri="{FF2B5EF4-FFF2-40B4-BE49-F238E27FC236}">
-                <a16:creationId xmlns:a16="http://schemas.microsoft.com/office/drawing/2014/main" id="{2CE719B6-9F3C-790D-922E-54A1F3069369}"/>
+                <a16:creationId xmlns:a16="http://schemas.microsoft.com/office/drawing/2014/main" id="{F0DCF466-57BD-EF91-CECE-9EC0193CD7E8}"/>
               </a:ext>
             </a:extLst>
           </p:cNvPr>
@@ -14109,10 +14265,10 @@
       </p:sp>
       <p:sp>
         <p:nvSpPr>
-          <p:cNvPr id="91" name="object 7">
+          <p:cNvPr id="8" name="object 7">
             <a:extLst>
               <a:ext uri="{FF2B5EF4-FFF2-40B4-BE49-F238E27FC236}">
-                <a16:creationId xmlns:a16="http://schemas.microsoft.com/office/drawing/2014/main" id="{A4526333-250A-CF5A-190A-E3659736905A}"/>
+                <a16:creationId xmlns:a16="http://schemas.microsoft.com/office/drawing/2014/main" id="{B8592314-E162-F39D-80D4-D35011FEF821}"/>
               </a:ext>
             </a:extLst>
           </p:cNvPr>
@@ -14161,10 +14317,10 @@
       </p:sp>
       <p:grpSp>
         <p:nvGrpSpPr>
-          <p:cNvPr id="92" name="object 8">
+          <p:cNvPr id="9" name="object 8">
             <a:extLst>
               <a:ext uri="{FF2B5EF4-FFF2-40B4-BE49-F238E27FC236}">
-                <a16:creationId xmlns:a16="http://schemas.microsoft.com/office/drawing/2014/main" id="{23C5CB01-6409-FAD4-74F7-BF476959FCDE}"/>
+                <a16:creationId xmlns:a16="http://schemas.microsoft.com/office/drawing/2014/main" id="{9E969504-A714-9C68-D78B-EDF1CC6C28CF}"/>
               </a:ext>
             </a:extLst>
           </p:cNvPr>
@@ -14181,10 +14337,10 @@
         </p:grpSpPr>
         <p:sp>
           <p:nvSpPr>
-            <p:cNvPr id="93" name="object 9">
+            <p:cNvPr id="10" name="object 9">
               <a:extLst>
                 <a:ext uri="{FF2B5EF4-FFF2-40B4-BE49-F238E27FC236}">
-                  <a16:creationId xmlns:a16="http://schemas.microsoft.com/office/drawing/2014/main" id="{BC11A764-FD09-2513-BE84-F72C05FFE98A}"/>
+                  <a16:creationId xmlns:a16="http://schemas.microsoft.com/office/drawing/2014/main" id="{B7A4B53A-30D5-BD5B-86C9-718938B7D2C9}"/>
                 </a:ext>
               </a:extLst>
             </p:cNvPr>
@@ -14285,10 +14441,10 @@
         </p:sp>
         <p:sp>
           <p:nvSpPr>
-            <p:cNvPr id="94" name="object 10">
+            <p:cNvPr id="11" name="object 10">
               <a:extLst>
                 <a:ext uri="{FF2B5EF4-FFF2-40B4-BE49-F238E27FC236}">
-                  <a16:creationId xmlns:a16="http://schemas.microsoft.com/office/drawing/2014/main" id="{2397988F-7A01-63F1-A60B-1A58F34B1B80}"/>
+                  <a16:creationId xmlns:a16="http://schemas.microsoft.com/office/drawing/2014/main" id="{D22E8A38-7124-3562-E52D-82F58C76EBCB}"/>
                 </a:ext>
               </a:extLst>
             </p:cNvPr>
@@ -14392,10 +14548,10 @@
       </p:grpSp>
       <p:sp>
         <p:nvSpPr>
-          <p:cNvPr id="95" name="object 11">
+          <p:cNvPr id="12" name="object 11">
             <a:extLst>
               <a:ext uri="{FF2B5EF4-FFF2-40B4-BE49-F238E27FC236}">
-                <a16:creationId xmlns:a16="http://schemas.microsoft.com/office/drawing/2014/main" id="{5A01EF08-67DE-7EB8-E309-2670F95CA17C}"/>
+                <a16:creationId xmlns:a16="http://schemas.microsoft.com/office/drawing/2014/main" id="{7F1A51B4-CA56-7898-CF74-612ED4D8F5E1}"/>
               </a:ext>
             </a:extLst>
           </p:cNvPr>
@@ -14444,10 +14600,10 @@
       </p:sp>
       <p:sp>
         <p:nvSpPr>
-          <p:cNvPr id="96" name="object 12">
+          <p:cNvPr id="13" name="object 12">
             <a:extLst>
               <a:ext uri="{FF2B5EF4-FFF2-40B4-BE49-F238E27FC236}">
-                <a16:creationId xmlns:a16="http://schemas.microsoft.com/office/drawing/2014/main" id="{C061E207-71C5-65FC-0301-8EA1340F9D29}"/>
+                <a16:creationId xmlns:a16="http://schemas.microsoft.com/office/drawing/2014/main" id="{01F72345-5F30-6C7D-3107-79E824E0D713}"/>
               </a:ext>
             </a:extLst>
           </p:cNvPr>
@@ -14509,10 +14665,10 @@
       </p:sp>
       <p:graphicFrame>
         <p:nvGraphicFramePr>
-          <p:cNvPr id="97" name="object 13">
+          <p:cNvPr id="14" name="object 13">
             <a:extLst>
               <a:ext uri="{FF2B5EF4-FFF2-40B4-BE49-F238E27FC236}">
-                <a16:creationId xmlns:a16="http://schemas.microsoft.com/office/drawing/2014/main" id="{ED9032E5-0DED-FB2B-1309-EB22DA9FCB9C}"/>
+                <a16:creationId xmlns:a16="http://schemas.microsoft.com/office/drawing/2014/main" id="{35D4EE77-66A5-368A-436E-BD20A4162F7A}"/>
               </a:ext>
             </a:extLst>
           </p:cNvPr>
@@ -14522,7 +14678,7 @@
           <p:nvPr>
             <p:extLst>
               <p:ext uri="{D42A27DB-BD31-4B8C-83A1-F6EECF244321}">
-                <p14:modId xmlns:p14="http://schemas.microsoft.com/office/powerpoint/2010/main" val="2235432478"/>
+                <p14:modId xmlns:p14="http://schemas.microsoft.com/office/powerpoint/2010/main" val="1717377381"/>
               </p:ext>
             </p:extLst>
           </p:nvPr>
@@ -14767,10 +14923,10 @@
       </p:graphicFrame>
       <p:grpSp>
         <p:nvGrpSpPr>
-          <p:cNvPr id="98" name="object 14">
+          <p:cNvPr id="15" name="object 14">
             <a:extLst>
               <a:ext uri="{FF2B5EF4-FFF2-40B4-BE49-F238E27FC236}">
-                <a16:creationId xmlns:a16="http://schemas.microsoft.com/office/drawing/2014/main" id="{5406CC9D-02F8-E63F-8B17-43F42246C6EB}"/>
+                <a16:creationId xmlns:a16="http://schemas.microsoft.com/office/drawing/2014/main" id="{1DD7B476-5AFC-DFE3-859A-AFBB1E734712}"/>
               </a:ext>
             </a:extLst>
           </p:cNvPr>
@@ -14787,10 +14943,10 @@
         </p:grpSpPr>
         <p:sp>
           <p:nvSpPr>
-            <p:cNvPr id="99" name="object 15">
+            <p:cNvPr id="16" name="object 15">
               <a:extLst>
                 <a:ext uri="{FF2B5EF4-FFF2-40B4-BE49-F238E27FC236}">
-                  <a16:creationId xmlns:a16="http://schemas.microsoft.com/office/drawing/2014/main" id="{348BDA83-5396-62E9-E4D1-F8E0D08B1F27}"/>
+                  <a16:creationId xmlns:a16="http://schemas.microsoft.com/office/drawing/2014/main" id="{42654471-4A10-EA79-A2F5-1174A643213A}"/>
                 </a:ext>
               </a:extLst>
             </p:cNvPr>
@@ -14879,10 +15035,10 @@
         </p:sp>
         <p:sp>
           <p:nvSpPr>
-            <p:cNvPr id="100" name="object 16">
+            <p:cNvPr id="17" name="object 16">
               <a:extLst>
                 <a:ext uri="{FF2B5EF4-FFF2-40B4-BE49-F238E27FC236}">
-                  <a16:creationId xmlns:a16="http://schemas.microsoft.com/office/drawing/2014/main" id="{8F5F19EA-D2A1-11E2-3387-74AA22E1FBDA}"/>
+                  <a16:creationId xmlns:a16="http://schemas.microsoft.com/office/drawing/2014/main" id="{12741333-12BA-8609-7BDE-F8FB9DB3C117}"/>
                 </a:ext>
               </a:extLst>
             </p:cNvPr>
@@ -14989,10 +15145,10 @@
         </p:sp>
         <p:sp>
           <p:nvSpPr>
-            <p:cNvPr id="101" name="object 17">
+            <p:cNvPr id="18" name="object 17">
               <a:extLst>
                 <a:ext uri="{FF2B5EF4-FFF2-40B4-BE49-F238E27FC236}">
-                  <a16:creationId xmlns:a16="http://schemas.microsoft.com/office/drawing/2014/main" id="{1E54054A-A328-BBFF-D262-2821D2379777}"/>
+                  <a16:creationId xmlns:a16="http://schemas.microsoft.com/office/drawing/2014/main" id="{F3C2EDC4-3D6F-D63A-2A34-03B91759E7FC}"/>
                 </a:ext>
               </a:extLst>
             </p:cNvPr>
@@ -15047,10 +15203,10 @@
         </p:sp>
         <p:sp>
           <p:nvSpPr>
-            <p:cNvPr id="102" name="object 18">
+            <p:cNvPr id="19" name="object 18">
               <a:extLst>
                 <a:ext uri="{FF2B5EF4-FFF2-40B4-BE49-F238E27FC236}">
-                  <a16:creationId xmlns:a16="http://schemas.microsoft.com/office/drawing/2014/main" id="{BD7C0B50-89FA-179F-3DCC-8EE2A99C5573}"/>
+                  <a16:creationId xmlns:a16="http://schemas.microsoft.com/office/drawing/2014/main" id="{12461425-DE65-CA6D-0F35-08468CF709CC}"/>
                 </a:ext>
               </a:extLst>
             </p:cNvPr>
@@ -15104,10 +15260,10 @@
       </p:grpSp>
       <p:sp>
         <p:nvSpPr>
-          <p:cNvPr id="103" name="object 19">
+          <p:cNvPr id="20" name="object 19">
             <a:extLst>
               <a:ext uri="{FF2B5EF4-FFF2-40B4-BE49-F238E27FC236}">
-                <a16:creationId xmlns:a16="http://schemas.microsoft.com/office/drawing/2014/main" id="{6C840B7C-F135-77E3-57D7-59FA2362F367}"/>
+                <a16:creationId xmlns:a16="http://schemas.microsoft.com/office/drawing/2014/main" id="{88B1091F-DC41-3542-4C77-F1AE776420ED}"/>
               </a:ext>
             </a:extLst>
           </p:cNvPr>
@@ -15169,10 +15325,10 @@
       </p:sp>
       <p:sp>
         <p:nvSpPr>
-          <p:cNvPr id="104" name="object 20">
+          <p:cNvPr id="21" name="object 20">
             <a:extLst>
               <a:ext uri="{FF2B5EF4-FFF2-40B4-BE49-F238E27FC236}">
-                <a16:creationId xmlns:a16="http://schemas.microsoft.com/office/drawing/2014/main" id="{46236851-860B-F245-3D30-906A6F269FD4}"/>
+                <a16:creationId xmlns:a16="http://schemas.microsoft.com/office/drawing/2014/main" id="{F3EB84AF-8064-8C38-BC85-6AE702BB2808}"/>
               </a:ext>
             </a:extLst>
           </p:cNvPr>
@@ -15225,10 +15381,10 @@
       </p:sp>
       <p:sp>
         <p:nvSpPr>
-          <p:cNvPr id="105" name="object 21">
+          <p:cNvPr id="22" name="object 21">
             <a:extLst>
               <a:ext uri="{FF2B5EF4-FFF2-40B4-BE49-F238E27FC236}">
-                <a16:creationId xmlns:a16="http://schemas.microsoft.com/office/drawing/2014/main" id="{29532C00-A677-314D-9E93-37A120B41C89}"/>
+                <a16:creationId xmlns:a16="http://schemas.microsoft.com/office/drawing/2014/main" id="{4387C31B-FA20-6FE6-BC05-B14651A687D3}"/>
               </a:ext>
             </a:extLst>
           </p:cNvPr>
@@ -15277,10 +15433,10 @@
       </p:sp>
       <p:sp>
         <p:nvSpPr>
-          <p:cNvPr id="106" name="object 22">
+          <p:cNvPr id="23" name="object 22">
             <a:extLst>
               <a:ext uri="{FF2B5EF4-FFF2-40B4-BE49-F238E27FC236}">
-                <a16:creationId xmlns:a16="http://schemas.microsoft.com/office/drawing/2014/main" id="{F16467E9-1817-1D14-E8D1-7480CBB547FD}"/>
+                <a16:creationId xmlns:a16="http://schemas.microsoft.com/office/drawing/2014/main" id="{CAACCCE5-104A-5785-A217-9882CB297FF1}"/>
               </a:ext>
             </a:extLst>
           </p:cNvPr>
@@ -15394,10 +15550,10 @@
       </p:sp>
       <p:sp>
         <p:nvSpPr>
-          <p:cNvPr id="107" name="object 23">
+          <p:cNvPr id="24" name="object 23">
             <a:extLst>
               <a:ext uri="{FF2B5EF4-FFF2-40B4-BE49-F238E27FC236}">
-                <a16:creationId xmlns:a16="http://schemas.microsoft.com/office/drawing/2014/main" id="{9618483D-9335-4BDC-D461-900E78F853CE}"/>
+                <a16:creationId xmlns:a16="http://schemas.microsoft.com/office/drawing/2014/main" id="{D8CD55B7-DF40-3DB4-BDB5-DD18B715FC32}"/>
               </a:ext>
             </a:extLst>
           </p:cNvPr>
@@ -15446,10 +15602,10 @@
       </p:sp>
       <p:grpSp>
         <p:nvGrpSpPr>
-          <p:cNvPr id="108" name="object 24">
+          <p:cNvPr id="25" name="object 24">
             <a:extLst>
               <a:ext uri="{FF2B5EF4-FFF2-40B4-BE49-F238E27FC236}">
-                <a16:creationId xmlns:a16="http://schemas.microsoft.com/office/drawing/2014/main" id="{0DFA32D1-4990-05DB-2BC4-20351E7CE47D}"/>
+                <a16:creationId xmlns:a16="http://schemas.microsoft.com/office/drawing/2014/main" id="{CBBF9787-EF1E-3F6C-4037-4A9FF6AEA787}"/>
               </a:ext>
             </a:extLst>
           </p:cNvPr>
@@ -15466,10 +15622,10 @@
         </p:grpSpPr>
         <p:pic>
           <p:nvPicPr>
-            <p:cNvPr id="109" name="object 25">
+            <p:cNvPr id="26" name="object 25">
               <a:extLst>
                 <a:ext uri="{FF2B5EF4-FFF2-40B4-BE49-F238E27FC236}">
-                  <a16:creationId xmlns:a16="http://schemas.microsoft.com/office/drawing/2014/main" id="{005DB24E-4E92-A5C2-C070-CAA7549B6996}"/>
+                  <a16:creationId xmlns:a16="http://schemas.microsoft.com/office/drawing/2014/main" id="{2335B55A-B4ED-29D8-E50F-6429A54E567A}"/>
                 </a:ext>
               </a:extLst>
             </p:cNvPr>
@@ -15494,10 +15650,10 @@
         </p:pic>
         <p:sp>
           <p:nvSpPr>
-            <p:cNvPr id="110" name="object 26">
+            <p:cNvPr id="27" name="object 26">
               <a:extLst>
                 <a:ext uri="{FF2B5EF4-FFF2-40B4-BE49-F238E27FC236}">
-                  <a16:creationId xmlns:a16="http://schemas.microsoft.com/office/drawing/2014/main" id="{A8ABC62F-9E6A-8483-F387-D9A990A2C3E4}"/>
+                  <a16:creationId xmlns:a16="http://schemas.microsoft.com/office/drawing/2014/main" id="{DF1E4078-C5AC-39C8-EEEA-43664A85404E}"/>
                 </a:ext>
               </a:extLst>
             </p:cNvPr>
@@ -15551,10 +15707,10 @@
       </p:grpSp>
       <p:sp>
         <p:nvSpPr>
-          <p:cNvPr id="111" name="object 27">
+          <p:cNvPr id="28" name="object 27">
             <a:extLst>
               <a:ext uri="{FF2B5EF4-FFF2-40B4-BE49-F238E27FC236}">
-                <a16:creationId xmlns:a16="http://schemas.microsoft.com/office/drawing/2014/main" id="{002499DA-249D-06A0-D007-5300E6548EED}"/>
+                <a16:creationId xmlns:a16="http://schemas.microsoft.com/office/drawing/2014/main" id="{55896497-85B7-2D60-B7D8-78D9BB474533}"/>
               </a:ext>
             </a:extLst>
           </p:cNvPr>
@@ -15603,10 +15759,10 @@
       </p:sp>
       <p:sp>
         <p:nvSpPr>
-          <p:cNvPr id="112" name="object 28">
+          <p:cNvPr id="29" name="object 28">
             <a:extLst>
               <a:ext uri="{FF2B5EF4-FFF2-40B4-BE49-F238E27FC236}">
-                <a16:creationId xmlns:a16="http://schemas.microsoft.com/office/drawing/2014/main" id="{E7736EDD-7F29-A614-91AE-756A7BDC15F4}"/>
+                <a16:creationId xmlns:a16="http://schemas.microsoft.com/office/drawing/2014/main" id="{537D6790-FA98-3C8D-D1FE-03E7A8B945D2}"/>
               </a:ext>
             </a:extLst>
           </p:cNvPr>
@@ -15655,10 +15811,10 @@
       </p:sp>
       <p:sp>
         <p:nvSpPr>
-          <p:cNvPr id="113" name="object 29">
+          <p:cNvPr id="30" name="object 29">
             <a:extLst>
               <a:ext uri="{FF2B5EF4-FFF2-40B4-BE49-F238E27FC236}">
-                <a16:creationId xmlns:a16="http://schemas.microsoft.com/office/drawing/2014/main" id="{F52B04B5-79FF-34CE-6DDF-C73960BBC0F5}"/>
+                <a16:creationId xmlns:a16="http://schemas.microsoft.com/office/drawing/2014/main" id="{3C92162B-2D09-D3AA-A919-5CA5DF82B080}"/>
               </a:ext>
             </a:extLst>
           </p:cNvPr>
@@ -15711,10 +15867,10 @@
       </p:sp>
       <p:sp>
         <p:nvSpPr>
-          <p:cNvPr id="114" name="object 30">
+          <p:cNvPr id="31" name="object 30">
             <a:extLst>
               <a:ext uri="{FF2B5EF4-FFF2-40B4-BE49-F238E27FC236}">
-                <a16:creationId xmlns:a16="http://schemas.microsoft.com/office/drawing/2014/main" id="{BD36ECBE-67B9-515C-ABB7-89C781D03F66}"/>
+                <a16:creationId xmlns:a16="http://schemas.microsoft.com/office/drawing/2014/main" id="{C2A4815A-F026-F302-EA7C-83B63625BF66}"/>
               </a:ext>
             </a:extLst>
           </p:cNvPr>
@@ -15763,10 +15919,10 @@
       </p:sp>
       <p:grpSp>
         <p:nvGrpSpPr>
-          <p:cNvPr id="115" name="object 31">
+          <p:cNvPr id="32" name="object 31">
             <a:extLst>
               <a:ext uri="{FF2B5EF4-FFF2-40B4-BE49-F238E27FC236}">
-                <a16:creationId xmlns:a16="http://schemas.microsoft.com/office/drawing/2014/main" id="{83019A41-654F-1641-4417-27DF5F87DEB8}"/>
+                <a16:creationId xmlns:a16="http://schemas.microsoft.com/office/drawing/2014/main" id="{A6156F63-9464-2BF9-B935-26302C014841}"/>
               </a:ext>
             </a:extLst>
           </p:cNvPr>
@@ -15783,10 +15939,10 @@
         </p:grpSpPr>
         <p:sp>
           <p:nvSpPr>
-            <p:cNvPr id="116" name="object 32">
+            <p:cNvPr id="33" name="object 32">
               <a:extLst>
                 <a:ext uri="{FF2B5EF4-FFF2-40B4-BE49-F238E27FC236}">
-                  <a16:creationId xmlns:a16="http://schemas.microsoft.com/office/drawing/2014/main" id="{47013626-13EA-380E-C10B-E8BB5F03969E}"/>
+                  <a16:creationId xmlns:a16="http://schemas.microsoft.com/office/drawing/2014/main" id="{49C10596-663F-DF51-8D7C-13860F8CDC88}"/>
                 </a:ext>
               </a:extLst>
             </p:cNvPr>
@@ -15875,10 +16031,10 @@
         </p:sp>
         <p:sp>
           <p:nvSpPr>
-            <p:cNvPr id="117" name="object 33">
+            <p:cNvPr id="34" name="object 33">
               <a:extLst>
                 <a:ext uri="{FF2B5EF4-FFF2-40B4-BE49-F238E27FC236}">
-                  <a16:creationId xmlns:a16="http://schemas.microsoft.com/office/drawing/2014/main" id="{7AFF84B7-8D56-78BC-B43F-036D352FDD3F}"/>
+                  <a16:creationId xmlns:a16="http://schemas.microsoft.com/office/drawing/2014/main" id="{062E198B-3FA3-4F13-EFCC-5142053B1B25}"/>
                 </a:ext>
               </a:extLst>
             </p:cNvPr>
@@ -15985,10 +16141,10 @@
         </p:sp>
         <p:sp>
           <p:nvSpPr>
-            <p:cNvPr id="118" name="object 34">
+            <p:cNvPr id="35" name="object 34">
               <a:extLst>
                 <a:ext uri="{FF2B5EF4-FFF2-40B4-BE49-F238E27FC236}">
-                  <a16:creationId xmlns:a16="http://schemas.microsoft.com/office/drawing/2014/main" id="{5C0C139C-94A2-1755-7600-150892D7D00B}"/>
+                  <a16:creationId xmlns:a16="http://schemas.microsoft.com/office/drawing/2014/main" id="{33BD68E8-297B-AED8-3228-76E92E5C3D5A}"/>
                 </a:ext>
               </a:extLst>
             </p:cNvPr>
@@ -16043,10 +16199,10 @@
         </p:sp>
         <p:sp>
           <p:nvSpPr>
-            <p:cNvPr id="119" name="object 35">
+            <p:cNvPr id="36" name="object 35">
               <a:extLst>
                 <a:ext uri="{FF2B5EF4-FFF2-40B4-BE49-F238E27FC236}">
-                  <a16:creationId xmlns:a16="http://schemas.microsoft.com/office/drawing/2014/main" id="{061D80C7-22C9-5225-909F-43B383A643C0}"/>
+                  <a16:creationId xmlns:a16="http://schemas.microsoft.com/office/drawing/2014/main" id="{86040B4D-D0D6-0AC0-A8ED-662C8D837BE5}"/>
                 </a:ext>
               </a:extLst>
             </p:cNvPr>
@@ -16100,10 +16256,10 @@
       </p:grpSp>
       <p:sp>
         <p:nvSpPr>
-          <p:cNvPr id="120" name="object 36">
+          <p:cNvPr id="37" name="object 36">
             <a:extLst>
               <a:ext uri="{FF2B5EF4-FFF2-40B4-BE49-F238E27FC236}">
-                <a16:creationId xmlns:a16="http://schemas.microsoft.com/office/drawing/2014/main" id="{62E9A950-36AA-E1F9-63B2-ABFDF62DCDC2}"/>
+                <a16:creationId xmlns:a16="http://schemas.microsoft.com/office/drawing/2014/main" id="{E8091F10-7D15-024B-89D3-717786BD5ACA}"/>
               </a:ext>
             </a:extLst>
           </p:cNvPr>
@@ -16165,10 +16321,10 @@
       </p:sp>
       <p:grpSp>
         <p:nvGrpSpPr>
-          <p:cNvPr id="121" name="object 37">
+          <p:cNvPr id="38" name="object 37">
             <a:extLst>
               <a:ext uri="{FF2B5EF4-FFF2-40B4-BE49-F238E27FC236}">
-                <a16:creationId xmlns:a16="http://schemas.microsoft.com/office/drawing/2014/main" id="{251027B0-532F-DD02-0E91-DD805E23BDE5}"/>
+                <a16:creationId xmlns:a16="http://schemas.microsoft.com/office/drawing/2014/main" id="{3F308FCC-8B6E-581B-9445-97498A31FBF8}"/>
               </a:ext>
             </a:extLst>
           </p:cNvPr>
@@ -16185,10 +16341,10 @@
         </p:grpSpPr>
         <p:sp>
           <p:nvSpPr>
-            <p:cNvPr id="122" name="object 38">
+            <p:cNvPr id="39" name="object 38">
               <a:extLst>
                 <a:ext uri="{FF2B5EF4-FFF2-40B4-BE49-F238E27FC236}">
-                  <a16:creationId xmlns:a16="http://schemas.microsoft.com/office/drawing/2014/main" id="{8CED4B09-BE43-10F9-2F14-E3F2109CC1A8}"/>
+                  <a16:creationId xmlns:a16="http://schemas.microsoft.com/office/drawing/2014/main" id="{A789A39A-F23B-C319-8DDB-4AF44FDCABAA}"/>
                 </a:ext>
               </a:extLst>
             </p:cNvPr>
@@ -16289,10 +16445,10 @@
         </p:sp>
         <p:sp>
           <p:nvSpPr>
-            <p:cNvPr id="123" name="object 39">
+            <p:cNvPr id="40" name="object 39">
               <a:extLst>
                 <a:ext uri="{FF2B5EF4-FFF2-40B4-BE49-F238E27FC236}">
-                  <a16:creationId xmlns:a16="http://schemas.microsoft.com/office/drawing/2014/main" id="{DD882BBD-1195-F81C-76DD-BABC144623B7}"/>
+                  <a16:creationId xmlns:a16="http://schemas.microsoft.com/office/drawing/2014/main" id="{021DCB40-8293-8FC8-890C-E35C4572C26E}"/>
                 </a:ext>
               </a:extLst>
             </p:cNvPr>
@@ -16396,10 +16552,10 @@
       </p:grpSp>
       <p:sp>
         <p:nvSpPr>
-          <p:cNvPr id="124" name="object 40">
+          <p:cNvPr id="41" name="object 40">
             <a:extLst>
               <a:ext uri="{FF2B5EF4-FFF2-40B4-BE49-F238E27FC236}">
-                <a16:creationId xmlns:a16="http://schemas.microsoft.com/office/drawing/2014/main" id="{2C6D8BE6-558D-C805-65AF-0137590241AD}"/>
+                <a16:creationId xmlns:a16="http://schemas.microsoft.com/office/drawing/2014/main" id="{41E29240-DEEB-4717-F82F-BB3B42E1146F}"/>
               </a:ext>
             </a:extLst>
           </p:cNvPr>
@@ -16468,10 +16624,10 @@
       </p:sp>
       <p:sp>
         <p:nvSpPr>
-          <p:cNvPr id="125" name="object 41">
+          <p:cNvPr id="42" name="object 41">
             <a:extLst>
               <a:ext uri="{FF2B5EF4-FFF2-40B4-BE49-F238E27FC236}">
-                <a16:creationId xmlns:a16="http://schemas.microsoft.com/office/drawing/2014/main" id="{D0C2C1F9-7278-9841-753F-DC81092BA89B}"/>
+                <a16:creationId xmlns:a16="http://schemas.microsoft.com/office/drawing/2014/main" id="{B022C59D-4035-5618-3D52-7F4469473FFA}"/>
               </a:ext>
             </a:extLst>
           </p:cNvPr>
@@ -16533,10 +16689,10 @@
       </p:sp>
       <p:graphicFrame>
         <p:nvGraphicFramePr>
-          <p:cNvPr id="126" name="object 42">
+          <p:cNvPr id="43" name="object 42">
             <a:extLst>
               <a:ext uri="{FF2B5EF4-FFF2-40B4-BE49-F238E27FC236}">
-                <a16:creationId xmlns:a16="http://schemas.microsoft.com/office/drawing/2014/main" id="{79046429-4CC7-9CEC-5656-49F937368AE4}"/>
+                <a16:creationId xmlns:a16="http://schemas.microsoft.com/office/drawing/2014/main" id="{6D3ABDE8-49FA-75BC-7065-F1E75C4B05AC}"/>
               </a:ext>
             </a:extLst>
           </p:cNvPr>
@@ -16546,7 +16702,7 @@
           <p:nvPr>
             <p:extLst>
               <p:ext uri="{D42A27DB-BD31-4B8C-83A1-F6EECF244321}">
-                <p14:modId xmlns:p14="http://schemas.microsoft.com/office/powerpoint/2010/main" val="1138058236"/>
+                <p14:modId xmlns:p14="http://schemas.microsoft.com/office/powerpoint/2010/main" val="3178281455"/>
               </p:ext>
             </p:extLst>
           </p:nvPr>
@@ -16993,10 +17149,10 @@
       </p:graphicFrame>
       <p:sp>
         <p:nvSpPr>
-          <p:cNvPr id="127" name="object 43">
+          <p:cNvPr id="44" name="object 43">
             <a:extLst>
               <a:ext uri="{FF2B5EF4-FFF2-40B4-BE49-F238E27FC236}">
-                <a16:creationId xmlns:a16="http://schemas.microsoft.com/office/drawing/2014/main" id="{6CE8502C-DD14-AACD-C0EF-CC0E524C8E5F}"/>
+                <a16:creationId xmlns:a16="http://schemas.microsoft.com/office/drawing/2014/main" id="{08EE8B0D-0F6B-9AAA-041F-3E51F6B3F247}"/>
               </a:ext>
             </a:extLst>
           </p:cNvPr>
@@ -17046,7 +17202,7 @@
     </p:spTree>
     <p:extLst>
       <p:ext uri="{BB962C8B-B14F-4D97-AF65-F5344CB8AC3E}">
-        <p14:creationId xmlns:p14="http://schemas.microsoft.com/office/powerpoint/2010/main" val="2515702237"/>
+        <p14:creationId xmlns:p14="http://schemas.microsoft.com/office/powerpoint/2010/main" val="1082977799"/>
       </p:ext>
     </p:extLst>
   </p:cSld>
@@ -17078,7 +17234,7 @@
           <p:cNvPr id="2" name="object 2">
             <a:extLst>
               <a:ext uri="{FF2B5EF4-FFF2-40B4-BE49-F238E27FC236}">
-                <a16:creationId xmlns:a16="http://schemas.microsoft.com/office/drawing/2014/main" id="{8B007204-DE83-6BB4-F1E8-0539BECB9A0A}"/>
+                <a16:creationId xmlns:a16="http://schemas.microsoft.com/office/drawing/2014/main" id="{1BFA69A0-B1B8-1F8E-1512-8D2657A23503}"/>
               </a:ext>
             </a:extLst>
           </p:cNvPr>
@@ -17149,7 +17305,7 @@
     </p:spTree>
     <p:extLst>
       <p:ext uri="{BB962C8B-B14F-4D97-AF65-F5344CB8AC3E}">
-        <p14:creationId xmlns:p14="http://schemas.microsoft.com/office/powerpoint/2010/main" val="1441597276"/>
+        <p14:creationId xmlns:p14="http://schemas.microsoft.com/office/powerpoint/2010/main" val="947242476"/>
       </p:ext>
     </p:extLst>
   </p:cSld>
@@ -17178,10 +17334,10 @@
       </p:grpSpPr>
       <p:grpSp>
         <p:nvGrpSpPr>
-          <p:cNvPr id="73" name="object 3">
+          <p:cNvPr id="4" name="object 3">
             <a:extLst>
               <a:ext uri="{FF2B5EF4-FFF2-40B4-BE49-F238E27FC236}">
-                <a16:creationId xmlns:a16="http://schemas.microsoft.com/office/drawing/2014/main" id="{992DFDE4-EFA0-C704-34DD-A46D051219FC}"/>
+                <a16:creationId xmlns:a16="http://schemas.microsoft.com/office/drawing/2014/main" id="{C35B3939-CAFB-1003-60C1-023ACFAD84D8}"/>
               </a:ext>
             </a:extLst>
           </p:cNvPr>
@@ -17198,10 +17354,10 @@
         </p:grpSpPr>
         <p:sp>
           <p:nvSpPr>
-            <p:cNvPr id="75" name="object 5">
+            <p:cNvPr id="5" name="object 5">
               <a:extLst>
                 <a:ext uri="{FF2B5EF4-FFF2-40B4-BE49-F238E27FC236}">
-                  <a16:creationId xmlns:a16="http://schemas.microsoft.com/office/drawing/2014/main" id="{CAA0C1D7-BF55-F5FD-66E8-707A43FB8C13}"/>
+                  <a16:creationId xmlns:a16="http://schemas.microsoft.com/office/drawing/2014/main" id="{E71C6F0D-50B0-A5F4-D284-A2587D5320A9}"/>
                 </a:ext>
               </a:extLst>
             </p:cNvPr>
@@ -17506,10 +17662,10 @@
         </p:sp>
         <p:sp>
           <p:nvSpPr>
-            <p:cNvPr id="76" name="object 6">
+            <p:cNvPr id="6" name="object 6">
               <a:extLst>
                 <a:ext uri="{FF2B5EF4-FFF2-40B4-BE49-F238E27FC236}">
-                  <a16:creationId xmlns:a16="http://schemas.microsoft.com/office/drawing/2014/main" id="{CF495D04-61AA-814F-52CF-2916399A0682}"/>
+                  <a16:creationId xmlns:a16="http://schemas.microsoft.com/office/drawing/2014/main" id="{D994CA85-6EBE-CA75-C02B-0A63867AC4DC}"/>
                 </a:ext>
               </a:extLst>
             </p:cNvPr>
@@ -17817,10 +17973,10 @@
         </p:sp>
         <p:pic>
           <p:nvPicPr>
-            <p:cNvPr id="77" name="object 7">
+            <p:cNvPr id="7" name="object 7">
               <a:extLst>
                 <a:ext uri="{FF2B5EF4-FFF2-40B4-BE49-F238E27FC236}">
-                  <a16:creationId xmlns:a16="http://schemas.microsoft.com/office/drawing/2014/main" id="{139ACF3F-486C-F0AC-17CE-EAB9046FE83A}"/>
+                  <a16:creationId xmlns:a16="http://schemas.microsoft.com/office/drawing/2014/main" id="{61F0B31A-FE51-D6B8-155F-320319C548FE}"/>
                 </a:ext>
               </a:extLst>
             </p:cNvPr>
@@ -17846,10 +18002,10 @@
       </p:grpSp>
       <p:sp>
         <p:nvSpPr>
-          <p:cNvPr id="79" name="object 9">
+          <p:cNvPr id="8" name="object 9">
             <a:extLst>
               <a:ext uri="{FF2B5EF4-FFF2-40B4-BE49-F238E27FC236}">
-                <a16:creationId xmlns:a16="http://schemas.microsoft.com/office/drawing/2014/main" id="{3A1C59B9-4834-0DAF-A8F1-F0A98CBD2508}"/>
+                <a16:creationId xmlns:a16="http://schemas.microsoft.com/office/drawing/2014/main" id="{1A3C5FA2-9553-57CA-E40E-DBF0E42B6C42}"/>
               </a:ext>
             </a:extLst>
           </p:cNvPr>
@@ -18018,10 +18174,10 @@
       </p:sp>
       <p:sp>
         <p:nvSpPr>
-          <p:cNvPr id="80" name="object 10">
+          <p:cNvPr id="9" name="object 10">
             <a:extLst>
               <a:ext uri="{FF2B5EF4-FFF2-40B4-BE49-F238E27FC236}">
-                <a16:creationId xmlns:a16="http://schemas.microsoft.com/office/drawing/2014/main" id="{788FBAB0-0A66-D67D-0F46-AF73E19B2B5E}"/>
+                <a16:creationId xmlns:a16="http://schemas.microsoft.com/office/drawing/2014/main" id="{0DFCACC2-73E1-50B8-50A7-E6674EC69868}"/>
               </a:ext>
             </a:extLst>
           </p:cNvPr>
@@ -18257,10 +18413,10 @@
       </p:sp>
       <p:sp>
         <p:nvSpPr>
-          <p:cNvPr id="81" name="object 11">
+          <p:cNvPr id="10" name="object 11">
             <a:extLst>
               <a:ext uri="{FF2B5EF4-FFF2-40B4-BE49-F238E27FC236}">
-                <a16:creationId xmlns:a16="http://schemas.microsoft.com/office/drawing/2014/main" id="{BBAE6E7F-37BD-7F18-C515-75F9902F1E60}"/>
+                <a16:creationId xmlns:a16="http://schemas.microsoft.com/office/drawing/2014/main" id="{A20BF9FF-6F6F-4EA7-C4B0-2D1E5958AE98}"/>
               </a:ext>
             </a:extLst>
           </p:cNvPr>
@@ -19013,10 +19169,10 @@
       </p:sp>
       <p:sp>
         <p:nvSpPr>
-          <p:cNvPr id="82" name="object 12">
+          <p:cNvPr id="11" name="object 12">
             <a:extLst>
               <a:ext uri="{FF2B5EF4-FFF2-40B4-BE49-F238E27FC236}">
-                <a16:creationId xmlns:a16="http://schemas.microsoft.com/office/drawing/2014/main" id="{08397AAE-53EC-7F60-4105-0C38C48CE662}"/>
+                <a16:creationId xmlns:a16="http://schemas.microsoft.com/office/drawing/2014/main" id="{DAFB8C56-C850-6E1F-3A12-C44CE80A9BA0}"/>
               </a:ext>
             </a:extLst>
           </p:cNvPr>
@@ -19065,10 +19221,10 @@
       </p:sp>
       <p:sp>
         <p:nvSpPr>
-          <p:cNvPr id="83" name="object 13">
+          <p:cNvPr id="12" name="object 13">
             <a:extLst>
               <a:ext uri="{FF2B5EF4-FFF2-40B4-BE49-F238E27FC236}">
-                <a16:creationId xmlns:a16="http://schemas.microsoft.com/office/drawing/2014/main" id="{4AA63623-5E92-ABAC-40FC-9233AF1F9EF3}"/>
+                <a16:creationId xmlns:a16="http://schemas.microsoft.com/office/drawing/2014/main" id="{5EE00DFF-DDFA-B647-C142-DC68F8F8D74E}"/>
               </a:ext>
             </a:extLst>
           </p:cNvPr>
@@ -19117,10 +19273,10 @@
       </p:sp>
       <p:sp>
         <p:nvSpPr>
-          <p:cNvPr id="84" name="object 14">
+          <p:cNvPr id="13" name="object 14">
             <a:extLst>
               <a:ext uri="{FF2B5EF4-FFF2-40B4-BE49-F238E27FC236}">
-                <a16:creationId xmlns:a16="http://schemas.microsoft.com/office/drawing/2014/main" id="{34C27799-2269-CD9E-7674-CDFCD00CDDFA}"/>
+                <a16:creationId xmlns:a16="http://schemas.microsoft.com/office/drawing/2014/main" id="{054A90AC-17A4-8F6F-041F-29446C98585E}"/>
               </a:ext>
             </a:extLst>
           </p:cNvPr>
@@ -19169,10 +19325,10 @@
       </p:sp>
       <p:sp>
         <p:nvSpPr>
-          <p:cNvPr id="85" name="object 15">
+          <p:cNvPr id="14" name="object 15">
             <a:extLst>
               <a:ext uri="{FF2B5EF4-FFF2-40B4-BE49-F238E27FC236}">
-                <a16:creationId xmlns:a16="http://schemas.microsoft.com/office/drawing/2014/main" id="{68902059-CD90-B6BE-1D32-7C275E5336C4}"/>
+                <a16:creationId xmlns:a16="http://schemas.microsoft.com/office/drawing/2014/main" id="{56EDDFC7-D675-ED66-0A86-FD6C52FE277C}"/>
               </a:ext>
             </a:extLst>
           </p:cNvPr>
@@ -19241,10 +19397,10 @@
       </p:sp>
       <p:pic>
         <p:nvPicPr>
-          <p:cNvPr id="86" name="object 16">
+          <p:cNvPr id="15" name="object 16">
             <a:extLst>
               <a:ext uri="{FF2B5EF4-FFF2-40B4-BE49-F238E27FC236}">
-                <a16:creationId xmlns:a16="http://schemas.microsoft.com/office/drawing/2014/main" id="{87045BDF-C517-2C2F-AE6E-8D7EA376236A}"/>
+                <a16:creationId xmlns:a16="http://schemas.microsoft.com/office/drawing/2014/main" id="{06096014-7614-4BB9-B13C-CB2CBDAECA8C}"/>
               </a:ext>
             </a:extLst>
           </p:cNvPr>
@@ -19269,10 +19425,10 @@
       </p:pic>
       <p:sp>
         <p:nvSpPr>
-          <p:cNvPr id="87" name="object 17">
+          <p:cNvPr id="16" name="object 17">
             <a:extLst>
               <a:ext uri="{FF2B5EF4-FFF2-40B4-BE49-F238E27FC236}">
-                <a16:creationId xmlns:a16="http://schemas.microsoft.com/office/drawing/2014/main" id="{0D447E11-B7CE-EC90-A83A-C09346BB426B}"/>
+                <a16:creationId xmlns:a16="http://schemas.microsoft.com/office/drawing/2014/main" id="{5859C407-C003-4736-EC6A-24AE3C8B3147}"/>
               </a:ext>
             </a:extLst>
           </p:cNvPr>
@@ -19411,10 +19567,10 @@
       </p:sp>
       <p:sp>
         <p:nvSpPr>
-          <p:cNvPr id="88" name="object 18">
+          <p:cNvPr id="17" name="object 18">
             <a:extLst>
               <a:ext uri="{FF2B5EF4-FFF2-40B4-BE49-F238E27FC236}">
-                <a16:creationId xmlns:a16="http://schemas.microsoft.com/office/drawing/2014/main" id="{A802ABAB-7EA6-33D3-BDF8-A39791A78522}"/>
+                <a16:creationId xmlns:a16="http://schemas.microsoft.com/office/drawing/2014/main" id="{E987F48F-3672-3EC5-D411-2130719677A7}"/>
               </a:ext>
             </a:extLst>
           </p:cNvPr>
@@ -19633,10 +19789,10 @@
       </p:sp>
       <p:sp>
         <p:nvSpPr>
-          <p:cNvPr id="89" name="object 19">
+          <p:cNvPr id="18" name="object 19">
             <a:extLst>
               <a:ext uri="{FF2B5EF4-FFF2-40B4-BE49-F238E27FC236}">
-                <a16:creationId xmlns:a16="http://schemas.microsoft.com/office/drawing/2014/main" id="{12B9AE9A-E8EE-6B64-9BEC-90380E3F6247}"/>
+                <a16:creationId xmlns:a16="http://schemas.microsoft.com/office/drawing/2014/main" id="{768CBA3C-3BBE-DBD9-058E-B02A27BE52AA}"/>
               </a:ext>
             </a:extLst>
           </p:cNvPr>
@@ -19685,10 +19841,10 @@
       </p:sp>
       <p:graphicFrame>
         <p:nvGraphicFramePr>
-          <p:cNvPr id="90" name="object 20">
+          <p:cNvPr id="19" name="object 20">
             <a:extLst>
               <a:ext uri="{FF2B5EF4-FFF2-40B4-BE49-F238E27FC236}">
-                <a16:creationId xmlns:a16="http://schemas.microsoft.com/office/drawing/2014/main" id="{FD47A5E3-C3F1-5C42-92F5-777E4C3186C8}"/>
+                <a16:creationId xmlns:a16="http://schemas.microsoft.com/office/drawing/2014/main" id="{C7E9FD52-F91E-C14A-EA6B-FB4A2A81039A}"/>
               </a:ext>
             </a:extLst>
           </p:cNvPr>
@@ -19698,7 +19854,7 @@
           <p:nvPr>
             <p:extLst>
               <p:ext uri="{D42A27DB-BD31-4B8C-83A1-F6EECF244321}">
-                <p14:modId xmlns:p14="http://schemas.microsoft.com/office/powerpoint/2010/main" val="1762766291"/>
+                <p14:modId xmlns:p14="http://schemas.microsoft.com/office/powerpoint/2010/main" val="1645603072"/>
               </p:ext>
             </p:extLst>
           </p:nvPr>
@@ -19973,10 +20129,10 @@
       </p:graphicFrame>
       <p:sp>
         <p:nvSpPr>
-          <p:cNvPr id="91" name="object 21">
+          <p:cNvPr id="20" name="object 21">
             <a:extLst>
               <a:ext uri="{FF2B5EF4-FFF2-40B4-BE49-F238E27FC236}">
-                <a16:creationId xmlns:a16="http://schemas.microsoft.com/office/drawing/2014/main" id="{7148D80E-E7C7-15E7-EACF-AC0D19CC7860}"/>
+                <a16:creationId xmlns:a16="http://schemas.microsoft.com/office/drawing/2014/main" id="{501FCE57-3E97-8B15-523F-2DB8F42DFECF}"/>
               </a:ext>
             </a:extLst>
           </p:cNvPr>
@@ -20046,10 +20202,10 @@
       </p:sp>
       <p:sp>
         <p:nvSpPr>
-          <p:cNvPr id="92" name="object 22">
+          <p:cNvPr id="21" name="object 22">
             <a:extLst>
               <a:ext uri="{FF2B5EF4-FFF2-40B4-BE49-F238E27FC236}">
-                <a16:creationId xmlns:a16="http://schemas.microsoft.com/office/drawing/2014/main" id="{6A10DACB-5EA6-736A-3E3F-C4457BCE3387}"/>
+                <a16:creationId xmlns:a16="http://schemas.microsoft.com/office/drawing/2014/main" id="{9920C0CD-7917-B312-EAE6-E0202AA0366C}"/>
               </a:ext>
             </a:extLst>
           </p:cNvPr>
@@ -20121,10 +20277,10 @@
       </p:sp>
       <p:grpSp>
         <p:nvGrpSpPr>
-          <p:cNvPr id="93" name="object 23">
+          <p:cNvPr id="22" name="object 23">
             <a:extLst>
               <a:ext uri="{FF2B5EF4-FFF2-40B4-BE49-F238E27FC236}">
-                <a16:creationId xmlns:a16="http://schemas.microsoft.com/office/drawing/2014/main" id="{CD3729EB-EE2E-E024-7F02-BCF10D8C13F6}"/>
+                <a16:creationId xmlns:a16="http://schemas.microsoft.com/office/drawing/2014/main" id="{3F7BA129-6775-35BD-E087-9AB9A1D11769}"/>
               </a:ext>
             </a:extLst>
           </p:cNvPr>
@@ -20141,10 +20297,10 @@
         </p:grpSpPr>
         <p:pic>
           <p:nvPicPr>
-            <p:cNvPr id="94" name="object 24">
+            <p:cNvPr id="23" name="object 24">
               <a:extLst>
                 <a:ext uri="{FF2B5EF4-FFF2-40B4-BE49-F238E27FC236}">
-                  <a16:creationId xmlns:a16="http://schemas.microsoft.com/office/drawing/2014/main" id="{5BA3817B-EBD7-EAAD-75DF-07CDDB913E96}"/>
+                  <a16:creationId xmlns:a16="http://schemas.microsoft.com/office/drawing/2014/main" id="{0F1FCE74-28E9-6DF5-6280-F5BFE583162D}"/>
                 </a:ext>
               </a:extLst>
             </p:cNvPr>
@@ -20169,10 +20325,10 @@
         </p:pic>
         <p:pic>
           <p:nvPicPr>
-            <p:cNvPr id="95" name="object 25">
+            <p:cNvPr id="24" name="object 25">
               <a:extLst>
                 <a:ext uri="{FF2B5EF4-FFF2-40B4-BE49-F238E27FC236}">
-                  <a16:creationId xmlns:a16="http://schemas.microsoft.com/office/drawing/2014/main" id="{EDBC2EC4-007B-1CB1-803B-A247E2B435EC}"/>
+                  <a16:creationId xmlns:a16="http://schemas.microsoft.com/office/drawing/2014/main" id="{F268639D-54AC-5883-A51F-4574E1306B92}"/>
                 </a:ext>
               </a:extLst>
             </p:cNvPr>
@@ -20197,10 +20353,10 @@
         </p:pic>
         <p:sp>
           <p:nvSpPr>
-            <p:cNvPr id="96" name="object 26">
+            <p:cNvPr id="25" name="object 26">
               <a:extLst>
                 <a:ext uri="{FF2B5EF4-FFF2-40B4-BE49-F238E27FC236}">
-                  <a16:creationId xmlns:a16="http://schemas.microsoft.com/office/drawing/2014/main" id="{06A37BD4-6A69-74B1-7EC5-6D387E88445C}"/>
+                  <a16:creationId xmlns:a16="http://schemas.microsoft.com/office/drawing/2014/main" id="{D73667A7-78FB-233A-6D97-18A7BD631A34}"/>
                 </a:ext>
               </a:extLst>
             </p:cNvPr>
@@ -20255,10 +20411,10 @@
         </p:sp>
         <p:pic>
           <p:nvPicPr>
-            <p:cNvPr id="97" name="object 27">
+            <p:cNvPr id="26" name="object 27">
               <a:extLst>
                 <a:ext uri="{FF2B5EF4-FFF2-40B4-BE49-F238E27FC236}">
-                  <a16:creationId xmlns:a16="http://schemas.microsoft.com/office/drawing/2014/main" id="{662C3B03-447D-03F1-2B24-649A30B1CF2B}"/>
+                  <a16:creationId xmlns:a16="http://schemas.microsoft.com/office/drawing/2014/main" id="{2EA43406-D0E4-8D46-743D-6E556D2EC8A6}"/>
                 </a:ext>
               </a:extLst>
             </p:cNvPr>
@@ -20283,10 +20439,10 @@
         </p:pic>
         <p:sp>
           <p:nvSpPr>
-            <p:cNvPr id="98" name="object 28">
+            <p:cNvPr id="27" name="object 28">
               <a:extLst>
                 <a:ext uri="{FF2B5EF4-FFF2-40B4-BE49-F238E27FC236}">
-                  <a16:creationId xmlns:a16="http://schemas.microsoft.com/office/drawing/2014/main" id="{0A2AAED0-FFD4-7956-B58D-DE566527500E}"/>
+                  <a16:creationId xmlns:a16="http://schemas.microsoft.com/office/drawing/2014/main" id="{3DDD955A-37F4-6CAD-7A26-9B13842BDA2D}"/>
                 </a:ext>
               </a:extLst>
             </p:cNvPr>
@@ -20387,10 +20543,10 @@
         </p:sp>
         <p:sp>
           <p:nvSpPr>
-            <p:cNvPr id="99" name="object 29">
+            <p:cNvPr id="28" name="object 29">
               <a:extLst>
                 <a:ext uri="{FF2B5EF4-FFF2-40B4-BE49-F238E27FC236}">
-                  <a16:creationId xmlns:a16="http://schemas.microsoft.com/office/drawing/2014/main" id="{C30F35B3-5138-0B70-BB3C-46E91097B6FE}"/>
+                  <a16:creationId xmlns:a16="http://schemas.microsoft.com/office/drawing/2014/main" id="{F7E5E6FF-E77E-C190-7330-91AD16F280D5}"/>
                 </a:ext>
               </a:extLst>
             </p:cNvPr>
@@ -20494,10 +20650,10 @@
       </p:grpSp>
       <p:sp>
         <p:nvSpPr>
-          <p:cNvPr id="100" name="object 30">
+          <p:cNvPr id="29" name="object 30">
             <a:extLst>
               <a:ext uri="{FF2B5EF4-FFF2-40B4-BE49-F238E27FC236}">
-                <a16:creationId xmlns:a16="http://schemas.microsoft.com/office/drawing/2014/main" id="{AA62C838-4535-8232-36FA-6F9829F0191A}"/>
+                <a16:creationId xmlns:a16="http://schemas.microsoft.com/office/drawing/2014/main" id="{84FE42D4-78F7-4771-FD41-287EBB23D262}"/>
               </a:ext>
             </a:extLst>
           </p:cNvPr>
@@ -20546,10 +20702,10 @@
       </p:sp>
       <p:sp>
         <p:nvSpPr>
-          <p:cNvPr id="101" name="object 31">
+          <p:cNvPr id="30" name="object 31">
             <a:extLst>
               <a:ext uri="{FF2B5EF4-FFF2-40B4-BE49-F238E27FC236}">
-                <a16:creationId xmlns:a16="http://schemas.microsoft.com/office/drawing/2014/main" id="{F9A51C46-AA67-84AB-9D89-A76783A21C78}"/>
+                <a16:creationId xmlns:a16="http://schemas.microsoft.com/office/drawing/2014/main" id="{96F4A735-29E8-577C-F2BF-64D2DE0F9E47}"/>
               </a:ext>
             </a:extLst>
           </p:cNvPr>
@@ -20598,10 +20754,10 @@
       </p:sp>
       <p:graphicFrame>
         <p:nvGraphicFramePr>
-          <p:cNvPr id="102" name="object 32">
+          <p:cNvPr id="31" name="object 32">
             <a:extLst>
               <a:ext uri="{FF2B5EF4-FFF2-40B4-BE49-F238E27FC236}">
-                <a16:creationId xmlns:a16="http://schemas.microsoft.com/office/drawing/2014/main" id="{A1079834-7F93-93CC-FEE0-E6E4E3D04DA0}"/>
+                <a16:creationId xmlns:a16="http://schemas.microsoft.com/office/drawing/2014/main" id="{C922E74B-A180-C6BF-92E9-F5C65D66B9A6}"/>
               </a:ext>
             </a:extLst>
           </p:cNvPr>
@@ -20611,7 +20767,7 @@
           <p:nvPr>
             <p:extLst>
               <p:ext uri="{D42A27DB-BD31-4B8C-83A1-F6EECF244321}">
-                <p14:modId xmlns:p14="http://schemas.microsoft.com/office/powerpoint/2010/main" val="3069599855"/>
+                <p14:modId xmlns:p14="http://schemas.microsoft.com/office/powerpoint/2010/main" val="2359767231"/>
               </p:ext>
             </p:extLst>
           </p:nvPr>
@@ -20898,10 +21054,10 @@
       </p:graphicFrame>
       <p:grpSp>
         <p:nvGrpSpPr>
-          <p:cNvPr id="103" name="object 33">
+          <p:cNvPr id="32" name="object 33">
             <a:extLst>
               <a:ext uri="{FF2B5EF4-FFF2-40B4-BE49-F238E27FC236}">
-                <a16:creationId xmlns:a16="http://schemas.microsoft.com/office/drawing/2014/main" id="{A6017224-CE4E-18A6-5BA2-4B92C8AB4C9E}"/>
+                <a16:creationId xmlns:a16="http://schemas.microsoft.com/office/drawing/2014/main" id="{6AACE227-2466-29CE-F2DB-2A5AAF18664F}"/>
               </a:ext>
             </a:extLst>
           </p:cNvPr>
@@ -20918,10 +21074,10 @@
         </p:grpSpPr>
         <p:pic>
           <p:nvPicPr>
-            <p:cNvPr id="104" name="object 34">
+            <p:cNvPr id="33" name="object 34">
               <a:extLst>
                 <a:ext uri="{FF2B5EF4-FFF2-40B4-BE49-F238E27FC236}">
-                  <a16:creationId xmlns:a16="http://schemas.microsoft.com/office/drawing/2014/main" id="{FD27B3FF-7A14-3CA8-085C-2A6D9DDDB2BD}"/>
+                  <a16:creationId xmlns:a16="http://schemas.microsoft.com/office/drawing/2014/main" id="{845292C2-8964-805F-3C73-581479BFF7C2}"/>
                 </a:ext>
               </a:extLst>
             </p:cNvPr>
@@ -20946,10 +21102,10 @@
         </p:pic>
         <p:sp>
           <p:nvSpPr>
-            <p:cNvPr id="105" name="object 35">
+            <p:cNvPr id="34" name="object 35">
               <a:extLst>
                 <a:ext uri="{FF2B5EF4-FFF2-40B4-BE49-F238E27FC236}">
-                  <a16:creationId xmlns:a16="http://schemas.microsoft.com/office/drawing/2014/main" id="{4798FB83-FC54-ABB5-EFA2-FFAD2C8AAC5F}"/>
+                  <a16:creationId xmlns:a16="http://schemas.microsoft.com/office/drawing/2014/main" id="{A642A4D1-79C2-B076-D453-10D48828B8FE}"/>
                 </a:ext>
               </a:extLst>
             </p:cNvPr>
@@ -21039,10 +21195,10 @@
       </p:grpSp>
       <p:sp>
         <p:nvSpPr>
-          <p:cNvPr id="106" name="文本框 105">
+          <p:cNvPr id="35" name="文本框 34">
             <a:extLst>
               <a:ext uri="{FF2B5EF4-FFF2-40B4-BE49-F238E27FC236}">
-                <a16:creationId xmlns:a16="http://schemas.microsoft.com/office/drawing/2014/main" id="{A413EA50-BDB6-98E5-1F7F-2DC63ABD8D95}"/>
+                <a16:creationId xmlns:a16="http://schemas.microsoft.com/office/drawing/2014/main" id="{2E104AB5-286E-47EF-EB00-547AC7E7C487}"/>
               </a:ext>
             </a:extLst>
           </p:cNvPr>
@@ -21105,7 +21261,7 @@
     </p:spTree>
     <p:extLst>
       <p:ext uri="{BB962C8B-B14F-4D97-AF65-F5344CB8AC3E}">
-        <p14:creationId xmlns:p14="http://schemas.microsoft.com/office/powerpoint/2010/main" val="1165243907"/>
+        <p14:creationId xmlns:p14="http://schemas.microsoft.com/office/powerpoint/2010/main" val="140867101"/>
       </p:ext>
     </p:extLst>
   </p:cSld>
@@ -21137,7 +21293,7 @@
           <p:cNvPr id="2" name="object 4">
             <a:extLst>
               <a:ext uri="{FF2B5EF4-FFF2-40B4-BE49-F238E27FC236}">
-                <a16:creationId xmlns:a16="http://schemas.microsoft.com/office/drawing/2014/main" id="{369E0251-093B-0274-C632-46BC62BD8157}"/>
+                <a16:creationId xmlns:a16="http://schemas.microsoft.com/office/drawing/2014/main" id="{2D973E98-AD4E-FF54-5BD3-768C845BC331}"/>
               </a:ext>
             </a:extLst>
           </p:cNvPr>
@@ -21205,7 +21361,7 @@
           <p:cNvPr id="3" name="object 5">
             <a:extLst>
               <a:ext uri="{FF2B5EF4-FFF2-40B4-BE49-F238E27FC236}">
-                <a16:creationId xmlns:a16="http://schemas.microsoft.com/office/drawing/2014/main" id="{B18CBE5A-B78E-2631-7B5F-7C4BDE27CC0F}"/>
+                <a16:creationId xmlns:a16="http://schemas.microsoft.com/office/drawing/2014/main" id="{F3F576CC-16BC-3BFC-B12F-FB9551D72AEF}"/>
               </a:ext>
             </a:extLst>
           </p:cNvPr>
@@ -21544,7 +21700,7 @@
           <p:cNvPr id="4" name="object 6">
             <a:extLst>
               <a:ext uri="{FF2B5EF4-FFF2-40B4-BE49-F238E27FC236}">
-                <a16:creationId xmlns:a16="http://schemas.microsoft.com/office/drawing/2014/main" id="{F2753117-A9C1-8E31-C077-CA44C5F6E02F}"/>
+                <a16:creationId xmlns:a16="http://schemas.microsoft.com/office/drawing/2014/main" id="{3180E319-E938-C339-A205-2AFC9D4D7794}"/>
               </a:ext>
             </a:extLst>
           </p:cNvPr>
@@ -21570,7 +21726,7 @@
     </p:spTree>
     <p:extLst>
       <p:ext uri="{BB962C8B-B14F-4D97-AF65-F5344CB8AC3E}">
-        <p14:creationId xmlns:p14="http://schemas.microsoft.com/office/powerpoint/2010/main" val="3616918140"/>
+        <p14:creationId xmlns:p14="http://schemas.microsoft.com/office/powerpoint/2010/main" val="3401722628"/>
       </p:ext>
     </p:extLst>
   </p:cSld>
@@ -21599,10 +21755,10 @@
       </p:grpSpPr>
       <p:pic>
         <p:nvPicPr>
-          <p:cNvPr id="4" name="object 5">
+          <p:cNvPr id="2" name="object 5">
             <a:extLst>
               <a:ext uri="{FF2B5EF4-FFF2-40B4-BE49-F238E27FC236}">
-                <a16:creationId xmlns:a16="http://schemas.microsoft.com/office/drawing/2014/main" id="{7037E799-49DE-046A-BCDE-87885725478B}"/>
+                <a16:creationId xmlns:a16="http://schemas.microsoft.com/office/drawing/2014/main" id="{5940AD83-417A-F202-EBE9-2022EF503D04}"/>
               </a:ext>
             </a:extLst>
           </p:cNvPr>
@@ -21627,10 +21783,10 @@
       </p:pic>
       <p:sp>
         <p:nvSpPr>
-          <p:cNvPr id="6" name="object 7">
+          <p:cNvPr id="3" name="object 7">
             <a:extLst>
               <a:ext uri="{FF2B5EF4-FFF2-40B4-BE49-F238E27FC236}">
-                <a16:creationId xmlns:a16="http://schemas.microsoft.com/office/drawing/2014/main" id="{CDDF0455-80D0-F256-9282-5AE58E011ECD}"/>
+                <a16:creationId xmlns:a16="http://schemas.microsoft.com/office/drawing/2014/main" id="{5E8F4DB5-930F-73C4-CBF1-7E4DBA6F45E8}"/>
               </a:ext>
             </a:extLst>
           </p:cNvPr>
@@ -21799,10 +21955,10 @@
       </p:sp>
       <p:sp>
         <p:nvSpPr>
-          <p:cNvPr id="7" name="object 4">
+          <p:cNvPr id="4" name="object 4">
             <a:extLst>
               <a:ext uri="{FF2B5EF4-FFF2-40B4-BE49-F238E27FC236}">
-                <a16:creationId xmlns:a16="http://schemas.microsoft.com/office/drawing/2014/main" id="{5549E66A-E5CD-3520-9247-2219B4D9C5F5}"/>
+                <a16:creationId xmlns:a16="http://schemas.microsoft.com/office/drawing/2014/main" id="{8DB72690-C9ED-AFA3-9B24-CD7D7E6A6732}"/>
               </a:ext>
             </a:extLst>
           </p:cNvPr>
@@ -21884,10 +22040,10 @@
       </p:sp>
       <p:pic>
         <p:nvPicPr>
-          <p:cNvPr id="8" name="object 6">
+          <p:cNvPr id="5" name="object 6">
             <a:extLst>
               <a:ext uri="{FF2B5EF4-FFF2-40B4-BE49-F238E27FC236}">
-                <a16:creationId xmlns:a16="http://schemas.microsoft.com/office/drawing/2014/main" id="{07D2D8C0-C686-4F0C-A61F-B36FA28FDE38}"/>
+                <a16:creationId xmlns:a16="http://schemas.microsoft.com/office/drawing/2014/main" id="{56E8DD3F-9875-6088-DDAC-43EC052F5D26}"/>
               </a:ext>
             </a:extLst>
           </p:cNvPr>
@@ -21913,7 +22069,7 @@
     </p:spTree>
     <p:extLst>
       <p:ext uri="{BB962C8B-B14F-4D97-AF65-F5344CB8AC3E}">
-        <p14:creationId xmlns:p14="http://schemas.microsoft.com/office/powerpoint/2010/main" val="2550517311"/>
+        <p14:creationId xmlns:p14="http://schemas.microsoft.com/office/powerpoint/2010/main" val="2129808196"/>
       </p:ext>
     </p:extLst>
   </p:cSld>
@@ -21942,10 +22098,10 @@
       </p:grpSpPr>
       <p:sp>
         <p:nvSpPr>
-          <p:cNvPr id="3" name="object 5">
+          <p:cNvPr id="2" name="object 5">
             <a:extLst>
               <a:ext uri="{FF2B5EF4-FFF2-40B4-BE49-F238E27FC236}">
-                <a16:creationId xmlns:a16="http://schemas.microsoft.com/office/drawing/2014/main" id="{D7C2B5BE-0117-F472-C623-892AA39ECB82}"/>
+                <a16:creationId xmlns:a16="http://schemas.microsoft.com/office/drawing/2014/main" id="{BF270AE7-F40A-63B0-CFED-916C42204038}"/>
               </a:ext>
             </a:extLst>
           </p:cNvPr>
@@ -22214,10 +22370,10 @@
       </p:sp>
       <p:grpSp>
         <p:nvGrpSpPr>
-          <p:cNvPr id="4" name="object 6">
+          <p:cNvPr id="3" name="object 6">
             <a:extLst>
               <a:ext uri="{FF2B5EF4-FFF2-40B4-BE49-F238E27FC236}">
-                <a16:creationId xmlns:a16="http://schemas.microsoft.com/office/drawing/2014/main" id="{94993998-72A7-442C-9DC9-08F1067534DF}"/>
+                <a16:creationId xmlns:a16="http://schemas.microsoft.com/office/drawing/2014/main" id="{EC8342A2-054A-5B65-4E9E-3E947711DF21}"/>
               </a:ext>
             </a:extLst>
           </p:cNvPr>
@@ -22234,10 +22390,10 @@
         </p:grpSpPr>
         <p:pic>
           <p:nvPicPr>
-            <p:cNvPr id="5" name="object 7">
+            <p:cNvPr id="4" name="object 7">
               <a:extLst>
                 <a:ext uri="{FF2B5EF4-FFF2-40B4-BE49-F238E27FC236}">
-                  <a16:creationId xmlns:a16="http://schemas.microsoft.com/office/drawing/2014/main" id="{147A24EC-3423-A979-B8F6-12557E56E758}"/>
+                  <a16:creationId xmlns:a16="http://schemas.microsoft.com/office/drawing/2014/main" id="{8D26195E-9ABF-D0EE-0FCA-406E843E36C9}"/>
                 </a:ext>
               </a:extLst>
             </p:cNvPr>
@@ -22262,10 +22418,10 @@
         </p:pic>
         <p:sp>
           <p:nvSpPr>
-            <p:cNvPr id="6" name="object 8">
+            <p:cNvPr id="5" name="object 8">
               <a:extLst>
                 <a:ext uri="{FF2B5EF4-FFF2-40B4-BE49-F238E27FC236}">
-                  <a16:creationId xmlns:a16="http://schemas.microsoft.com/office/drawing/2014/main" id="{25CEC25E-5A59-C790-2524-51BF2EE3A238}"/>
+                  <a16:creationId xmlns:a16="http://schemas.microsoft.com/office/drawing/2014/main" id="{CDB9B1DD-AC8B-C86F-289F-580E0FB93AEE}"/>
                 </a:ext>
               </a:extLst>
             </p:cNvPr>
@@ -22380,10 +22536,10 @@
         </p:sp>
         <p:sp>
           <p:nvSpPr>
-            <p:cNvPr id="7" name="object 9">
+            <p:cNvPr id="6" name="object 9">
               <a:extLst>
                 <a:ext uri="{FF2B5EF4-FFF2-40B4-BE49-F238E27FC236}">
-                  <a16:creationId xmlns:a16="http://schemas.microsoft.com/office/drawing/2014/main" id="{00D2BFDB-0734-3835-77EB-CF574E8AD640}"/>
+                  <a16:creationId xmlns:a16="http://schemas.microsoft.com/office/drawing/2014/main" id="{E4046AF2-A582-AC5D-A8C5-514111F56D0E}"/>
                 </a:ext>
               </a:extLst>
             </p:cNvPr>
@@ -22580,10 +22736,10 @@
         </p:sp>
         <p:pic>
           <p:nvPicPr>
-            <p:cNvPr id="8" name="object 10">
+            <p:cNvPr id="7" name="object 10">
               <a:extLst>
                 <a:ext uri="{FF2B5EF4-FFF2-40B4-BE49-F238E27FC236}">
-                  <a16:creationId xmlns:a16="http://schemas.microsoft.com/office/drawing/2014/main" id="{85CBD9E3-E78A-1E05-83CE-CBC6A0251C17}"/>
+                  <a16:creationId xmlns:a16="http://schemas.microsoft.com/office/drawing/2014/main" id="{FB4C736A-CE4E-352E-BB64-D7032EACF29C}"/>
                 </a:ext>
               </a:extLst>
             </p:cNvPr>
@@ -22609,10 +22765,10 @@
       </p:grpSp>
       <p:sp>
         <p:nvSpPr>
-          <p:cNvPr id="9" name="object 11">
+          <p:cNvPr id="8" name="object 11">
             <a:extLst>
               <a:ext uri="{FF2B5EF4-FFF2-40B4-BE49-F238E27FC236}">
-                <a16:creationId xmlns:a16="http://schemas.microsoft.com/office/drawing/2014/main" id="{EA0AFB24-1311-4742-60CD-C936FE3D8CFC}"/>
+                <a16:creationId xmlns:a16="http://schemas.microsoft.com/office/drawing/2014/main" id="{2A95AF40-8238-9CF8-A140-28B15F218110}"/>
               </a:ext>
             </a:extLst>
           </p:cNvPr>
@@ -22661,10 +22817,10 @@
       </p:sp>
       <p:grpSp>
         <p:nvGrpSpPr>
-          <p:cNvPr id="10" name="object 12">
+          <p:cNvPr id="9" name="object 12">
             <a:extLst>
               <a:ext uri="{FF2B5EF4-FFF2-40B4-BE49-F238E27FC236}">
-                <a16:creationId xmlns:a16="http://schemas.microsoft.com/office/drawing/2014/main" id="{EE8ED761-5108-0B49-8822-87488AF179A9}"/>
+                <a16:creationId xmlns:a16="http://schemas.microsoft.com/office/drawing/2014/main" id="{CD1F3983-48C4-E065-FE92-7EB86B8A3575}"/>
               </a:ext>
             </a:extLst>
           </p:cNvPr>
@@ -22681,10 +22837,10 @@
         </p:grpSpPr>
         <p:pic>
           <p:nvPicPr>
-            <p:cNvPr id="11" name="object 13">
+            <p:cNvPr id="10" name="object 13">
               <a:extLst>
                 <a:ext uri="{FF2B5EF4-FFF2-40B4-BE49-F238E27FC236}">
-                  <a16:creationId xmlns:a16="http://schemas.microsoft.com/office/drawing/2014/main" id="{512F6793-8950-D394-7B20-CEE4B9E4BA97}"/>
+                  <a16:creationId xmlns:a16="http://schemas.microsoft.com/office/drawing/2014/main" id="{C69112A4-3788-DC26-1AF5-2BA3854CD9D2}"/>
                 </a:ext>
               </a:extLst>
             </p:cNvPr>
@@ -22709,10 +22865,10 @@
         </p:pic>
         <p:sp>
           <p:nvSpPr>
-            <p:cNvPr id="12" name="object 14">
+            <p:cNvPr id="11" name="object 14">
               <a:extLst>
                 <a:ext uri="{FF2B5EF4-FFF2-40B4-BE49-F238E27FC236}">
-                  <a16:creationId xmlns:a16="http://schemas.microsoft.com/office/drawing/2014/main" id="{BFD69085-A014-51FD-99DE-896CAB9E0068}"/>
+                  <a16:creationId xmlns:a16="http://schemas.microsoft.com/office/drawing/2014/main" id="{8DF3C93A-2EED-E92E-417F-FE9CED221657}"/>
                 </a:ext>
               </a:extLst>
             </p:cNvPr>
@@ -22768,10 +22924,10 @@
       </p:grpSp>
       <p:sp>
         <p:nvSpPr>
-          <p:cNvPr id="13" name="object 15">
+          <p:cNvPr id="12" name="object 15">
             <a:extLst>
               <a:ext uri="{FF2B5EF4-FFF2-40B4-BE49-F238E27FC236}">
-                <a16:creationId xmlns:a16="http://schemas.microsoft.com/office/drawing/2014/main" id="{313DA072-7926-6216-7F3A-D89EEF95109C}"/>
+                <a16:creationId xmlns:a16="http://schemas.microsoft.com/office/drawing/2014/main" id="{6E47E533-B1CC-A759-7F05-98694C54507B}"/>
               </a:ext>
             </a:extLst>
           </p:cNvPr>
@@ -23030,10 +23186,10 @@
       </p:sp>
       <p:sp>
         <p:nvSpPr>
-          <p:cNvPr id="14" name="object 4">
+          <p:cNvPr id="13" name="object 4">
             <a:extLst>
               <a:ext uri="{FF2B5EF4-FFF2-40B4-BE49-F238E27FC236}">
-                <a16:creationId xmlns:a16="http://schemas.microsoft.com/office/drawing/2014/main" id="{A5B9DF11-D24E-83CF-948C-EAF6F107996C}"/>
+                <a16:creationId xmlns:a16="http://schemas.microsoft.com/office/drawing/2014/main" id="{7E7827E7-CDE4-8233-B522-A1262AD6264D}"/>
               </a:ext>
             </a:extLst>
           </p:cNvPr>
@@ -23116,7 +23272,7 @@
     </p:spTree>
     <p:extLst>
       <p:ext uri="{BB962C8B-B14F-4D97-AF65-F5344CB8AC3E}">
-        <p14:creationId xmlns:p14="http://schemas.microsoft.com/office/powerpoint/2010/main" val="3147613688"/>
+        <p14:creationId xmlns:p14="http://schemas.microsoft.com/office/powerpoint/2010/main" val="2402401798"/>
       </p:ext>
     </p:extLst>
   </p:cSld>
@@ -23148,7 +23304,7 @@
           <p:cNvPr id="2" name="object 3">
             <a:extLst>
               <a:ext uri="{FF2B5EF4-FFF2-40B4-BE49-F238E27FC236}">
-                <a16:creationId xmlns:a16="http://schemas.microsoft.com/office/drawing/2014/main" id="{8AA0B5E0-FCEC-4DE5-8A5A-05656BBE2BE8}"/>
+                <a16:creationId xmlns:a16="http://schemas.microsoft.com/office/drawing/2014/main" id="{425D67DA-D8B3-E978-A4D3-41B62A267B67}"/>
               </a:ext>
             </a:extLst>
           </p:cNvPr>
@@ -23165,10 +23321,10 @@
         </p:grpSpPr>
         <p:pic>
           <p:nvPicPr>
-            <p:cNvPr id="4" name="object 5">
+            <p:cNvPr id="3" name="object 5">
               <a:extLst>
                 <a:ext uri="{FF2B5EF4-FFF2-40B4-BE49-F238E27FC236}">
-                  <a16:creationId xmlns:a16="http://schemas.microsoft.com/office/drawing/2014/main" id="{72C3399F-D858-34E6-7593-1F417197ED54}"/>
+                  <a16:creationId xmlns:a16="http://schemas.microsoft.com/office/drawing/2014/main" id="{FA0BB31D-CB99-EC76-1DE3-DE4B77A54A42}"/>
                 </a:ext>
               </a:extLst>
             </p:cNvPr>
@@ -23193,10 +23349,10 @@
         </p:pic>
         <p:pic>
           <p:nvPicPr>
-            <p:cNvPr id="5" name="object 6">
+            <p:cNvPr id="4" name="object 6">
               <a:extLst>
                 <a:ext uri="{FF2B5EF4-FFF2-40B4-BE49-F238E27FC236}">
-                  <a16:creationId xmlns:a16="http://schemas.microsoft.com/office/drawing/2014/main" id="{93004D8D-4584-DC91-049C-10920E17EA5C}"/>
+                  <a16:creationId xmlns:a16="http://schemas.microsoft.com/office/drawing/2014/main" id="{CCD2BD40-EDDC-B4D9-6646-8D863B020D41}"/>
                 </a:ext>
               </a:extLst>
             </p:cNvPr>
@@ -23222,10 +23378,10 @@
       </p:grpSp>
       <p:sp>
         <p:nvSpPr>
-          <p:cNvPr id="7" name="object 8">
+          <p:cNvPr id="5" name="object 8">
             <a:extLst>
               <a:ext uri="{FF2B5EF4-FFF2-40B4-BE49-F238E27FC236}">
-                <a16:creationId xmlns:a16="http://schemas.microsoft.com/office/drawing/2014/main" id="{FFB305B7-E7B9-31EF-66A2-D847655E8A5E}"/>
+                <a16:creationId xmlns:a16="http://schemas.microsoft.com/office/drawing/2014/main" id="{20A8209C-A444-DBF6-2235-B53170867D96}"/>
               </a:ext>
             </a:extLst>
           </p:cNvPr>
@@ -23438,10 +23594,10 @@
       </p:sp>
       <p:sp>
         <p:nvSpPr>
-          <p:cNvPr id="8" name="object 9">
+          <p:cNvPr id="6" name="object 9">
             <a:extLst>
               <a:ext uri="{FF2B5EF4-FFF2-40B4-BE49-F238E27FC236}">
-                <a16:creationId xmlns:a16="http://schemas.microsoft.com/office/drawing/2014/main" id="{A2BA4E40-CE57-53D3-6ED8-A9F41E5C597C}"/>
+                <a16:creationId xmlns:a16="http://schemas.microsoft.com/office/drawing/2014/main" id="{BB145F9A-1F52-F887-3013-4993D64331F0}"/>
               </a:ext>
             </a:extLst>
           </p:cNvPr>
@@ -23522,10 +23678,10 @@
       </p:sp>
       <p:pic>
         <p:nvPicPr>
-          <p:cNvPr id="9" name="object 10">
+          <p:cNvPr id="7" name="object 10">
             <a:extLst>
               <a:ext uri="{FF2B5EF4-FFF2-40B4-BE49-F238E27FC236}">
-                <a16:creationId xmlns:a16="http://schemas.microsoft.com/office/drawing/2014/main" id="{A5EAC199-1502-9943-1BC1-641B861A6074}"/>
+                <a16:creationId xmlns:a16="http://schemas.microsoft.com/office/drawing/2014/main" id="{52FEAA29-7EEC-EC77-50C7-165E6D2AC493}"/>
               </a:ext>
             </a:extLst>
           </p:cNvPr>
@@ -23550,10 +23706,10 @@
       </p:pic>
       <p:sp>
         <p:nvSpPr>
-          <p:cNvPr id="10" name="object 4">
+          <p:cNvPr id="8" name="object 4">
             <a:extLst>
               <a:ext uri="{FF2B5EF4-FFF2-40B4-BE49-F238E27FC236}">
-                <a16:creationId xmlns:a16="http://schemas.microsoft.com/office/drawing/2014/main" id="{98D7A7C4-4F02-68A2-4BFB-4736AA9F57BE}"/>
+                <a16:creationId xmlns:a16="http://schemas.microsoft.com/office/drawing/2014/main" id="{F191FFEC-F229-0158-13ED-429C597F9C9E}"/>
               </a:ext>
             </a:extLst>
           </p:cNvPr>
@@ -23653,7 +23809,7 @@
     </p:spTree>
     <p:extLst>
       <p:ext uri="{BB962C8B-B14F-4D97-AF65-F5344CB8AC3E}">
-        <p14:creationId xmlns:p14="http://schemas.microsoft.com/office/powerpoint/2010/main" val="3246006381"/>
+        <p14:creationId xmlns:p14="http://schemas.microsoft.com/office/powerpoint/2010/main" val="1516956890"/>
       </p:ext>
     </p:extLst>
   </p:cSld>
@@ -23682,10 +23838,10 @@
       </p:grpSpPr>
       <p:pic>
         <p:nvPicPr>
-          <p:cNvPr id="3" name="object 4">
+          <p:cNvPr id="2" name="object 4">
             <a:extLst>
               <a:ext uri="{FF2B5EF4-FFF2-40B4-BE49-F238E27FC236}">
-                <a16:creationId xmlns:a16="http://schemas.microsoft.com/office/drawing/2014/main" id="{97CBF0EE-EDE8-78C7-019F-1DB031723B43}"/>
+                <a16:creationId xmlns:a16="http://schemas.microsoft.com/office/drawing/2014/main" id="{36AC239D-F2B1-E501-14CA-971DD78E4F7F}"/>
               </a:ext>
             </a:extLst>
           </p:cNvPr>
@@ -23710,10 +23866,10 @@
       </p:pic>
       <p:sp>
         <p:nvSpPr>
-          <p:cNvPr id="6" name="object 7">
+          <p:cNvPr id="3" name="object 7">
             <a:extLst>
               <a:ext uri="{FF2B5EF4-FFF2-40B4-BE49-F238E27FC236}">
-                <a16:creationId xmlns:a16="http://schemas.microsoft.com/office/drawing/2014/main" id="{C6DAC148-8EEF-C782-6705-A95F3C4986FF}"/>
+                <a16:creationId xmlns:a16="http://schemas.microsoft.com/office/drawing/2014/main" id="{3596DDF2-ED64-72F3-E93B-C4C7F70F81F3}"/>
               </a:ext>
             </a:extLst>
           </p:cNvPr>
@@ -24238,10 +24394,10 @@
       </p:sp>
       <p:sp>
         <p:nvSpPr>
-          <p:cNvPr id="7" name="object 8">
+          <p:cNvPr id="4" name="object 8">
             <a:extLst>
               <a:ext uri="{FF2B5EF4-FFF2-40B4-BE49-F238E27FC236}">
-                <a16:creationId xmlns:a16="http://schemas.microsoft.com/office/drawing/2014/main" id="{61B7A547-1B69-06C4-74AC-70DA8254641A}"/>
+                <a16:creationId xmlns:a16="http://schemas.microsoft.com/office/drawing/2014/main" id="{E5B2DD8E-6ED3-DDD0-793C-D0A546467823}"/>
               </a:ext>
             </a:extLst>
           </p:cNvPr>
@@ -24420,10 +24576,10 @@
       </p:sp>
       <p:sp>
         <p:nvSpPr>
-          <p:cNvPr id="8" name="object 4">
+          <p:cNvPr id="5" name="object 4">
             <a:extLst>
               <a:ext uri="{FF2B5EF4-FFF2-40B4-BE49-F238E27FC236}">
-                <a16:creationId xmlns:a16="http://schemas.microsoft.com/office/drawing/2014/main" id="{DB9CC3EB-27F4-29BA-6AEF-0AC11E507F2B}"/>
+                <a16:creationId xmlns:a16="http://schemas.microsoft.com/office/drawing/2014/main" id="{D099FF6A-820F-CA84-8D7C-702747806AD3}"/>
               </a:ext>
             </a:extLst>
           </p:cNvPr>
@@ -24505,10 +24661,10 @@
       </p:sp>
       <p:grpSp>
         <p:nvGrpSpPr>
-          <p:cNvPr id="9" name="object 3">
+          <p:cNvPr id="6" name="object 3">
             <a:extLst>
               <a:ext uri="{FF2B5EF4-FFF2-40B4-BE49-F238E27FC236}">
-                <a16:creationId xmlns:a16="http://schemas.microsoft.com/office/drawing/2014/main" id="{4DF0F7FB-1265-2303-B741-876D77163F31}"/>
+                <a16:creationId xmlns:a16="http://schemas.microsoft.com/office/drawing/2014/main" id="{D3932B96-BFA2-3F90-B4F4-60A1A2D33391}"/>
               </a:ext>
             </a:extLst>
           </p:cNvPr>
@@ -24525,10 +24681,10 @@
         </p:grpSpPr>
         <p:pic>
           <p:nvPicPr>
-            <p:cNvPr id="10" name="object 4">
+            <p:cNvPr id="7" name="object 4">
               <a:extLst>
                 <a:ext uri="{FF2B5EF4-FFF2-40B4-BE49-F238E27FC236}">
-                  <a16:creationId xmlns:a16="http://schemas.microsoft.com/office/drawing/2014/main" id="{048A9027-A137-4621-D7F0-A571D37DCF19}"/>
+                  <a16:creationId xmlns:a16="http://schemas.microsoft.com/office/drawing/2014/main" id="{A70E3CB6-391C-3AC0-08DF-1A9C96EC397C}"/>
                 </a:ext>
               </a:extLst>
             </p:cNvPr>
@@ -24553,10 +24709,10 @@
         </p:pic>
         <p:pic>
           <p:nvPicPr>
-            <p:cNvPr id="11" name="object 5">
+            <p:cNvPr id="8" name="object 5">
               <a:extLst>
                 <a:ext uri="{FF2B5EF4-FFF2-40B4-BE49-F238E27FC236}">
-                  <a16:creationId xmlns:a16="http://schemas.microsoft.com/office/drawing/2014/main" id="{D25A351E-A355-7210-7B1D-1A73783057A1}"/>
+                  <a16:creationId xmlns:a16="http://schemas.microsoft.com/office/drawing/2014/main" id="{F6ED18B0-80D8-1982-0BD6-AE4054031351}"/>
                 </a:ext>
               </a:extLst>
             </p:cNvPr>
@@ -24582,10 +24738,10 @@
       </p:grpSp>
       <p:pic>
         <p:nvPicPr>
-          <p:cNvPr id="14" name="object 3">
+          <p:cNvPr id="9" name="object 3">
             <a:extLst>
               <a:ext uri="{FF2B5EF4-FFF2-40B4-BE49-F238E27FC236}">
-                <a16:creationId xmlns:a16="http://schemas.microsoft.com/office/drawing/2014/main" id="{3461D427-BD0F-C0D9-2140-072B2F9C1208}"/>
+                <a16:creationId xmlns:a16="http://schemas.microsoft.com/office/drawing/2014/main" id="{84D7633F-E69E-A8CA-430A-30BAD70028DD}"/>
               </a:ext>
             </a:extLst>
           </p:cNvPr>
@@ -24611,7 +24767,7 @@
     </p:spTree>
     <p:extLst>
       <p:ext uri="{BB962C8B-B14F-4D97-AF65-F5344CB8AC3E}">
-        <p14:creationId xmlns:p14="http://schemas.microsoft.com/office/powerpoint/2010/main" val="4056698312"/>
+        <p14:creationId xmlns:p14="http://schemas.microsoft.com/office/powerpoint/2010/main" val="1406051121"/>
       </p:ext>
     </p:extLst>
   </p:cSld>
@@ -24640,10 +24796,10 @@
       </p:grpSpPr>
       <p:pic>
         <p:nvPicPr>
-          <p:cNvPr id="9" name="object 5">
+          <p:cNvPr id="2" name="object 5">
             <a:extLst>
               <a:ext uri="{FF2B5EF4-FFF2-40B4-BE49-F238E27FC236}">
-                <a16:creationId xmlns:a16="http://schemas.microsoft.com/office/drawing/2014/main" id="{DB4D3AED-9D3B-F7EA-B2C7-89B17736C441}"/>
+                <a16:creationId xmlns:a16="http://schemas.microsoft.com/office/drawing/2014/main" id="{A7A186A8-5E4D-9BEA-255C-1C45FC33169F}"/>
               </a:ext>
             </a:extLst>
           </p:cNvPr>
@@ -24667,10 +24823,10 @@
       </p:pic>
       <p:sp>
         <p:nvSpPr>
-          <p:cNvPr id="11" name="object 7">
+          <p:cNvPr id="3" name="object 7">
             <a:extLst>
               <a:ext uri="{FF2B5EF4-FFF2-40B4-BE49-F238E27FC236}">
-                <a16:creationId xmlns:a16="http://schemas.microsoft.com/office/drawing/2014/main" id="{D05B0C6D-9AD5-0E82-FD8A-AE98E92BBD78}"/>
+                <a16:creationId xmlns:a16="http://schemas.microsoft.com/office/drawing/2014/main" id="{F19324C1-C9F9-DB66-94FF-AE3D81FAA349}"/>
               </a:ext>
             </a:extLst>
           </p:cNvPr>
@@ -24749,10 +24905,10 @@
       </p:sp>
       <p:sp>
         <p:nvSpPr>
-          <p:cNvPr id="13" name="object 6">
+          <p:cNvPr id="4" name="object 6">
             <a:extLst>
               <a:ext uri="{FF2B5EF4-FFF2-40B4-BE49-F238E27FC236}">
-                <a16:creationId xmlns:a16="http://schemas.microsoft.com/office/drawing/2014/main" id="{B7032516-4644-15F5-F92A-32D9E63B367B}"/>
+                <a16:creationId xmlns:a16="http://schemas.microsoft.com/office/drawing/2014/main" id="{D35DADE4-1089-4F76-F6BD-8D093466B4A9}"/>
               </a:ext>
             </a:extLst>
           </p:cNvPr>
@@ -25072,7 +25228,7 @@
     </p:spTree>
     <p:extLst>
       <p:ext uri="{BB962C8B-B14F-4D97-AF65-F5344CB8AC3E}">
-        <p14:creationId xmlns:p14="http://schemas.microsoft.com/office/powerpoint/2010/main" val="1398353226"/>
+        <p14:creationId xmlns:p14="http://schemas.microsoft.com/office/powerpoint/2010/main" val="1050324405"/>
       </p:ext>
     </p:extLst>
   </p:cSld>
